--- a/Shared/[FastCampus] 5주차_강의자료_김경원박사.pptx
+++ b/Shared/[FastCampus] 5주차_강의자료_김경원박사.pptx
@@ -12,7 +12,7 @@
   </p:handoutMasterIdLst>
   <p:sldIdLst>
     <p:sldId id="1063" r:id="rId2"/>
-    <p:sldId id="1142" r:id="rId3"/>
+    <p:sldId id="1194" r:id="rId3"/>
     <p:sldId id="1103" r:id="rId4"/>
     <p:sldId id="1158" r:id="rId5"/>
     <p:sldId id="1186" r:id="rId6"/>
@@ -261,7 +261,7 @@
           <a:p>
             <a:fld id="{FC718EE8-BF93-4A17-BED5-FC99EECA5FC7}" type="datetimeFigureOut">
               <a:rPr lang="ko-KR" altLang="en-US" smtClean="0"/>
-              <a:t>2019-07-21</a:t>
+              <a:t>2019-08-04</a:t>
             </a:fld>
             <a:endParaRPr lang="ko-KR" altLang="en-US"/>
           </a:p>
@@ -426,7 +426,7 @@
           <a:p>
             <a:fld id="{6101F873-BA02-446B-9127-C4DE4310B943}" type="datetimeFigureOut">
               <a:rPr lang="ko-KR" altLang="en-US" smtClean="0"/>
-              <a:t>2019-07-21</a:t>
+              <a:t>2019-08-04</a:t>
             </a:fld>
             <a:endParaRPr lang="ko-KR" altLang="en-US"/>
           </a:p>
@@ -756,18 +756,78 @@
           <a:bodyPr/>
           <a:lstStyle/>
           <a:p>
+            <a:pPr marL="0" marR="0" lvl="0" indent="0" algn="r" defTabSz="1107796" rtl="0" eaLnBrk="1" fontAlgn="auto" latinLnBrk="1" hangingPunct="1">
+              <a:lnSpc>
+                <a:spcPct val="100000"/>
+              </a:lnSpc>
+              <a:spcBef>
+                <a:spcPts val="0"/>
+              </a:spcBef>
+              <a:spcAft>
+                <a:spcPts val="0"/>
+              </a:spcAft>
+              <a:buClrTx/>
+              <a:buSzTx/>
+              <a:buFontTx/>
+              <a:buNone/>
+              <a:tabLst/>
+              <a:defRPr/>
+            </a:pPr>
             <a:fld id="{C191BC67-C438-4515-9D3F-F10D40F1354A}" type="slidenum">
-              <a:rPr lang="ko-KR" altLang="en-US" smtClean="0"/>
+              <a:rPr kumimoji="0" lang="ko-KR" altLang="en-US" sz="1200" b="0" i="0" u="none" strike="noStrike" kern="1200" cap="none" spc="0" normalizeH="0" baseline="0" noProof="0" smtClean="0">
+                <a:ln>
+                  <a:noFill/>
+                </a:ln>
+                <a:solidFill>
+                  <a:prstClr val="black"/>
+                </a:solidFill>
+                <a:effectLst/>
+                <a:uLnTx/>
+                <a:uFillTx/>
+                <a:latin typeface="맑은 고딕"/>
+                <a:ea typeface="맑은 고딕" panose="020B0503020000020004" pitchFamily="50" charset="-127"/>
+                <a:cs typeface="+mn-cs"/>
+              </a:rPr>
+              <a:pPr marL="0" marR="0" lvl="0" indent="0" algn="r" defTabSz="1107796" rtl="0" eaLnBrk="1" fontAlgn="auto" latinLnBrk="1" hangingPunct="1">
+                <a:lnSpc>
+                  <a:spcPct val="100000"/>
+                </a:lnSpc>
+                <a:spcBef>
+                  <a:spcPts val="0"/>
+                </a:spcBef>
+                <a:spcAft>
+                  <a:spcPts val="0"/>
+                </a:spcAft>
+                <a:buClrTx/>
+                <a:buSzTx/>
+                <a:buFontTx/>
+                <a:buNone/>
+                <a:tabLst/>
+                <a:defRPr/>
+              </a:pPr>
               <a:t>2</a:t>
             </a:fld>
-            <a:endParaRPr lang="ko-KR" altLang="en-US"/>
+            <a:endParaRPr kumimoji="0" lang="ko-KR" altLang="en-US" sz="1200" b="0" i="0" u="none" strike="noStrike" kern="1200" cap="none" spc="0" normalizeH="0" baseline="0" noProof="0">
+              <a:ln>
+                <a:noFill/>
+              </a:ln>
+              <a:solidFill>
+                <a:prstClr val="black"/>
+              </a:solidFill>
+              <a:effectLst/>
+              <a:uLnTx/>
+              <a:uFillTx/>
+              <a:latin typeface="맑은 고딕"/>
+              <a:ea typeface="맑은 고딕" panose="020B0503020000020004" pitchFamily="50" charset="-127"/>
+              <a:cs typeface="+mn-cs"/>
+            </a:endParaRPr>
           </a:p>
         </p:txBody>
       </p:sp>
     </p:spTree>
     <p:extLst>
       <p:ext uri="{BB962C8B-B14F-4D97-AF65-F5344CB8AC3E}">
-        <p14:creationId xmlns:p14="http://schemas.microsoft.com/office/powerpoint/2010/main" val="3775101291"/>
+        <p14:creationId xmlns:p14="http://schemas.microsoft.com/office/powerpoint/2010/main" val="1912648559"/>
       </p:ext>
     </p:extLst>
   </p:cSld>
@@ -956,7 +1016,7 @@
           <a:p>
             <a:fld id="{89B5E594-86C5-4F1D-8812-38DF40064943}" type="datetime1">
               <a:rPr lang="ko-KR" altLang="en-US" smtClean="0"/>
-              <a:t>2019-07-21</a:t>
+              <a:t>2019-08-04</a:t>
             </a:fld>
             <a:endParaRPr lang="ko-KR" altLang="en-US"/>
           </a:p>
@@ -1164,7 +1224,7 @@
           <a:p>
             <a:fld id="{05C0B17C-522D-4CD8-8139-01EDEBAB2AF6}" type="datetime1">
               <a:rPr lang="ko-KR" altLang="en-US" smtClean="0"/>
-              <a:t>2019-07-21</a:t>
+              <a:t>2019-08-04</a:t>
             </a:fld>
             <a:endParaRPr lang="ko-KR" altLang="en-US"/>
           </a:p>
@@ -1342,7 +1402,7 @@
           <a:p>
             <a:fld id="{7345261C-38F3-40E7-AAA6-CE27B727AA65}" type="datetime1">
               <a:rPr lang="ko-KR" altLang="en-US" smtClean="0"/>
-              <a:t>2019-07-21</a:t>
+              <a:t>2019-08-04</a:t>
             </a:fld>
             <a:endParaRPr lang="ko-KR" altLang="en-US"/>
           </a:p>
@@ -1510,7 +1570,7 @@
           <a:p>
             <a:fld id="{A8472951-AD8C-47B8-8787-30E2F4BFA1EA}" type="datetime1">
               <a:rPr lang="ko-KR" altLang="en-US" smtClean="0"/>
-              <a:t>2019-07-21</a:t>
+              <a:t>2019-08-04</a:t>
             </a:fld>
             <a:endParaRPr lang="ko-KR" altLang="en-US"/>
           </a:p>
@@ -1765,7 +1825,7 @@
           <a:p>
             <a:fld id="{8BCB1BBF-13D1-46E6-8B8B-C9F26A0BAD91}" type="datetime1">
               <a:rPr lang="ko-KR" altLang="en-US" smtClean="0"/>
-              <a:t>2019-07-21</a:t>
+              <a:t>2019-08-04</a:t>
             </a:fld>
             <a:endParaRPr lang="ko-KR" altLang="en-US"/>
           </a:p>
@@ -2050,7 +2110,7 @@
           <a:p>
             <a:fld id="{B16FDC3D-FD6A-49DF-B101-11717D57279F}" type="datetime1">
               <a:rPr lang="ko-KR" altLang="en-US" smtClean="0"/>
-              <a:t>2019-07-21</a:t>
+              <a:t>2019-08-04</a:t>
             </a:fld>
             <a:endParaRPr lang="ko-KR" altLang="en-US"/>
           </a:p>
@@ -2469,7 +2529,7 @@
           <a:p>
             <a:fld id="{42D411A2-FD90-4A19-98A8-25197A66BC26}" type="datetime1">
               <a:rPr lang="ko-KR" altLang="en-US" smtClean="0"/>
-              <a:t>2019-07-21</a:t>
+              <a:t>2019-08-04</a:t>
             </a:fld>
             <a:endParaRPr lang="ko-KR" altLang="en-US"/>
           </a:p>
@@ -2586,7 +2646,7 @@
           <a:p>
             <a:fld id="{F6E6B532-6471-449A-9A2F-4428556C2F98}" type="datetime1">
               <a:rPr lang="ko-KR" altLang="en-US" smtClean="0"/>
-              <a:t>2019-07-21</a:t>
+              <a:t>2019-08-04</a:t>
             </a:fld>
             <a:endParaRPr lang="ko-KR" altLang="en-US"/>
           </a:p>
@@ -2681,7 +2741,7 @@
           <a:p>
             <a:fld id="{45A9E13B-856D-4562-A86D-A2B6F7BF810F}" type="datetime1">
               <a:rPr lang="ko-KR" altLang="en-US" smtClean="0"/>
-              <a:t>2019-07-21</a:t>
+              <a:t>2019-08-04</a:t>
             </a:fld>
             <a:endParaRPr lang="ko-KR" altLang="en-US"/>
           </a:p>
@@ -2956,7 +3016,7 @@
           <a:p>
             <a:fld id="{A672FB3A-7E9E-4380-9381-6FCA87FBB41A}" type="datetime1">
               <a:rPr lang="ko-KR" altLang="en-US" smtClean="0"/>
-              <a:t>2019-07-21</a:t>
+              <a:t>2019-08-04</a:t>
             </a:fld>
             <a:endParaRPr lang="ko-KR" altLang="en-US"/>
           </a:p>
@@ -3208,7 +3268,7 @@
           <a:p>
             <a:fld id="{3948CCBA-1514-4E9E-888A-807450F810B0}" type="datetime1">
               <a:rPr lang="ko-KR" altLang="en-US" smtClean="0"/>
-              <a:t>2019-07-21</a:t>
+              <a:t>2019-08-04</a:t>
             </a:fld>
             <a:endParaRPr lang="ko-KR" altLang="en-US"/>
           </a:p>
@@ -3421,7 +3481,7 @@
           <a:p>
             <a:fld id="{170EDEE7-370E-499F-B978-ABF387098974}" type="datetime1">
               <a:rPr lang="ko-KR" altLang="en-US" smtClean="0"/>
-              <a:t>2019-07-21</a:t>
+              <a:t>2019-08-04</a:t>
             </a:fld>
             <a:endParaRPr lang="ko-KR" altLang="en-US" dirty="0"/>
           </a:p>
@@ -5634,12 +5694,73 @@
           <a:bodyPr/>
           <a:lstStyle/>
           <a:p>
+            <a:pPr marL="0" marR="0" lvl="0" indent="0" algn="r" defTabSz="1107796" rtl="0" eaLnBrk="1" fontAlgn="auto" latinLnBrk="1" hangingPunct="1">
+              <a:lnSpc>
+                <a:spcPct val="100000"/>
+              </a:lnSpc>
+              <a:spcBef>
+                <a:spcPts val="0"/>
+              </a:spcBef>
+              <a:spcAft>
+                <a:spcPts val="0"/>
+              </a:spcAft>
+              <a:buClrTx/>
+              <a:buSzTx/>
+              <a:buFontTx/>
+              <a:buNone/>
+              <a:tabLst/>
+              <a:defRPr/>
+            </a:pPr>
             <a:fld id="{6DDAE2C3-1A0B-474A-8CE8-AE55B8D9D4B1}" type="slidenum">
-              <a:rPr lang="ko-KR" altLang="en-US" smtClean="0"/>
-              <a:pPr/>
+              <a:rPr kumimoji="0" lang="ko-KR" altLang="en-US" sz="900" b="0" i="0" u="none" strike="noStrike" kern="1200" cap="none" spc="0" normalizeH="0" baseline="0" noProof="0" smtClean="0">
+                <a:ln>
+                  <a:noFill/>
+                </a:ln>
+                <a:solidFill>
+                  <a:prstClr val="black">
+                    <a:tint val="75000"/>
+                  </a:prstClr>
+                </a:solidFill>
+                <a:effectLst/>
+                <a:uLnTx/>
+                <a:uFillTx/>
+                <a:ea typeface="Noto Sans CJK KR Bold" panose="020B0800000000000000" pitchFamily="34" charset="-127"/>
+                <a:cs typeface="+mn-cs"/>
+              </a:rPr>
+              <a:pPr marL="0" marR="0" lvl="0" indent="0" algn="r" defTabSz="1107796" rtl="0" eaLnBrk="1" fontAlgn="auto" latinLnBrk="1" hangingPunct="1">
+                <a:lnSpc>
+                  <a:spcPct val="100000"/>
+                </a:lnSpc>
+                <a:spcBef>
+                  <a:spcPts val="0"/>
+                </a:spcBef>
+                <a:spcAft>
+                  <a:spcPts val="0"/>
+                </a:spcAft>
+                <a:buClrTx/>
+                <a:buSzTx/>
+                <a:buFontTx/>
+                <a:buNone/>
+                <a:tabLst/>
+                <a:defRPr/>
+              </a:pPr>
               <a:t>2</a:t>
             </a:fld>
-            <a:endParaRPr lang="ko-KR" altLang="en-US" dirty="0"/>
+            <a:endParaRPr kumimoji="0" lang="ko-KR" altLang="en-US" sz="900" b="0" i="0" u="none" strike="noStrike" kern="1200" cap="none" spc="0" normalizeH="0" baseline="0" noProof="0" dirty="0">
+              <a:ln>
+                <a:noFill/>
+              </a:ln>
+              <a:solidFill>
+                <a:prstClr val="black">
+                  <a:tint val="75000"/>
+                </a:prstClr>
+              </a:solidFill>
+              <a:effectLst/>
+              <a:uLnTx/>
+              <a:uFillTx/>
+              <a:ea typeface="Noto Sans CJK KR Bold" panose="020B0800000000000000" pitchFamily="34" charset="-127"/>
+              <a:cs typeface="+mn-cs"/>
+            </a:endParaRPr>
           </a:p>
         </p:txBody>
       </p:sp>
@@ -5658,7 +5779,7 @@
         <p:spPr>
           <a:xfrm>
             <a:off x="542135" y="855851"/>
-            <a:ext cx="11298630" cy="3016210"/>
+            <a:ext cx="11298630" cy="2708434"/>
           </a:xfrm>
           <a:prstGeom prst="rect">
             <a:avLst/>
@@ -5671,135 +5792,187 @@
           </a:bodyPr>
           <a:lstStyle/>
           <a:p>
-            <a:r>
-              <a:rPr lang="en-US" altLang="ko-KR" sz="4400" dirty="0">
-                <a:solidFill>
-                  <a:schemeClr val="bg1"/>
-                </a:solidFill>
+            <a:pPr marL="0" marR="0" lvl="0" indent="0" algn="l" defTabSz="1107796" rtl="0" eaLnBrk="1" fontAlgn="auto" latinLnBrk="1" hangingPunct="1">
+              <a:lnSpc>
+                <a:spcPct val="100000"/>
+              </a:lnSpc>
+              <a:spcBef>
+                <a:spcPts val="0"/>
+              </a:spcBef>
+              <a:spcAft>
+                <a:spcPts val="0"/>
+              </a:spcAft>
+              <a:buClrTx/>
+              <a:buSzTx/>
+              <a:buFontTx/>
+              <a:buNone/>
+              <a:tabLst/>
+              <a:defRPr/>
+            </a:pPr>
+            <a:r>
+              <a:rPr kumimoji="0" lang="en-US" altLang="ko-KR" sz="4400" b="0" i="0" u="none" strike="noStrike" kern="1200" cap="none" spc="0" normalizeH="0" baseline="0" noProof="0" dirty="0">
+                <a:ln>
+                  <a:noFill/>
+                </a:ln>
+                <a:solidFill>
+                  <a:prstClr val="white"/>
+                </a:solidFill>
+                <a:effectLst/>
+                <a:uLnTx/>
+                <a:uFillTx/>
                 <a:latin typeface="Noto Sans CJK KR Black" panose="020B0A00000000000000" pitchFamily="34" charset="-127"/>
                 <a:ea typeface="Noto Sans CJK KR Black" panose="020B0A00000000000000" pitchFamily="34" charset="-127"/>
+                <a:cs typeface="+mn-cs"/>
               </a:rPr>
               <a:t>5</a:t>
             </a:r>
             <a:r>
-              <a:rPr lang="ko-KR" altLang="en-US" sz="4400" dirty="0">
-                <a:solidFill>
-                  <a:schemeClr val="bg1"/>
-                </a:solidFill>
+              <a:rPr kumimoji="0" lang="ko-KR" altLang="en-US" sz="4400" b="0" i="0" u="none" strike="noStrike" kern="1200" cap="none" spc="0" normalizeH="0" baseline="0" noProof="0" dirty="0">
+                <a:ln>
+                  <a:noFill/>
+                </a:ln>
+                <a:solidFill>
+                  <a:prstClr val="white"/>
+                </a:solidFill>
+                <a:effectLst/>
+                <a:uLnTx/>
+                <a:uFillTx/>
                 <a:latin typeface="Noto Sans CJK KR Black" panose="020B0A00000000000000" pitchFamily="34" charset="-127"/>
                 <a:ea typeface="Noto Sans CJK KR Black" panose="020B0A00000000000000" pitchFamily="34" charset="-127"/>
-              </a:rPr>
-              <a:t>주차 강의의 목적</a:t>
-            </a:r>
-            <a:endParaRPr lang="en-US" altLang="ko-KR" sz="4400" dirty="0">
+                <a:cs typeface="+mn-cs"/>
+              </a:rPr>
+              <a:t>주차 </a:t>
+            </a:r>
+            <a:endParaRPr kumimoji="0" lang="en-US" altLang="ko-KR" sz="4400" b="0" i="0" u="none" strike="noStrike" kern="1200" cap="none" spc="0" normalizeH="0" baseline="0" noProof="0" dirty="0">
+              <a:ln>
+                <a:noFill/>
+              </a:ln>
               <a:solidFill>
-                <a:schemeClr val="bg1"/>
+                <a:prstClr val="white"/>
               </a:solidFill>
+              <a:effectLst/>
+              <a:uLnTx/>
+              <a:uFillTx/>
               <a:latin typeface="Noto Sans CJK KR Black" panose="020B0A00000000000000" pitchFamily="34" charset="-127"/>
               <a:ea typeface="Noto Sans CJK KR Black" panose="020B0A00000000000000" pitchFamily="34" charset="-127"/>
+              <a:cs typeface="+mn-cs"/>
             </a:endParaRPr>
           </a:p>
           <a:p>
-            <a:endParaRPr lang="en-US" altLang="ko-KR" sz="4400" dirty="0">
+            <a:pPr marL="0" marR="0" lvl="0" indent="0" algn="l" defTabSz="1107796" rtl="0" eaLnBrk="1" fontAlgn="auto" latinLnBrk="1" hangingPunct="1">
+              <a:lnSpc>
+                <a:spcPct val="100000"/>
+              </a:lnSpc>
+              <a:spcBef>
+                <a:spcPts val="0"/>
+              </a:spcBef>
+              <a:spcAft>
+                <a:spcPts val="0"/>
+              </a:spcAft>
+              <a:buClrTx/>
+              <a:buSzTx/>
+              <a:buFontTx/>
+              <a:buNone/>
+              <a:tabLst/>
+              <a:defRPr/>
+            </a:pPr>
+            <a:r>
+              <a:rPr kumimoji="0" lang="ko-KR" altLang="en-US" sz="4400" b="0" i="0" u="none" strike="noStrike" kern="1200" cap="none" spc="0" normalizeH="0" baseline="0" noProof="0" dirty="0">
+                <a:ln>
+                  <a:noFill/>
+                </a:ln>
+                <a:solidFill>
+                  <a:prstClr val="white"/>
+                </a:solidFill>
+                <a:effectLst/>
+                <a:uLnTx/>
+                <a:uFillTx/>
+                <a:latin typeface="Noto Sans CJK KR Black" panose="020B0A00000000000000" pitchFamily="34" charset="-127"/>
+                <a:ea typeface="Noto Sans CJK KR Black" panose="020B0A00000000000000" pitchFamily="34" charset="-127"/>
+                <a:cs typeface="+mn-cs"/>
+              </a:rPr>
+              <a:t>강의의 목적</a:t>
+            </a:r>
+            <a:endParaRPr kumimoji="0" lang="en-US" altLang="ko-KR" sz="4400" b="0" i="0" u="none" strike="noStrike" kern="1200" cap="none" spc="0" normalizeH="0" baseline="0" noProof="0" dirty="0">
+              <a:ln>
+                <a:noFill/>
+              </a:ln>
               <a:solidFill>
-                <a:schemeClr val="bg1"/>
+                <a:prstClr val="white"/>
               </a:solidFill>
+              <a:effectLst/>
+              <a:uLnTx/>
+              <a:uFillTx/>
               <a:latin typeface="Noto Sans CJK KR Black" panose="020B0A00000000000000" pitchFamily="34" charset="-127"/>
               <a:ea typeface="Noto Sans CJK KR Black" panose="020B0A00000000000000" pitchFamily="34" charset="-127"/>
+              <a:cs typeface="+mn-cs"/>
             </a:endParaRPr>
           </a:p>
           <a:p>
-            <a:endParaRPr lang="en-US" altLang="ko-KR" sz="4400" dirty="0">
+            <a:pPr marL="0" marR="0" lvl="0" indent="0" algn="l" defTabSz="1107796" rtl="0" eaLnBrk="1" fontAlgn="auto" latinLnBrk="1" hangingPunct="1">
+              <a:lnSpc>
+                <a:spcPct val="100000"/>
+              </a:lnSpc>
+              <a:spcBef>
+                <a:spcPts val="0"/>
+              </a:spcBef>
+              <a:spcAft>
+                <a:spcPts val="0"/>
+              </a:spcAft>
+              <a:buClrTx/>
+              <a:buSzTx/>
+              <a:buFontTx/>
+              <a:buNone/>
+              <a:tabLst/>
+              <a:defRPr/>
+            </a:pPr>
+            <a:endParaRPr kumimoji="0" lang="en-US" altLang="ko-KR" sz="4400" b="0" i="0" u="none" strike="noStrike" kern="1200" cap="none" spc="0" normalizeH="0" baseline="0" noProof="0" dirty="0">
+              <a:ln>
+                <a:noFill/>
+              </a:ln>
               <a:solidFill>
-                <a:schemeClr val="bg1"/>
+                <a:prstClr val="white"/>
               </a:solidFill>
+              <a:effectLst/>
+              <a:uLnTx/>
+              <a:uFillTx/>
               <a:latin typeface="Noto Sans CJK KR Black" panose="020B0A00000000000000" pitchFamily="34" charset="-127"/>
               <a:ea typeface="Noto Sans CJK KR Black" panose="020B0A00000000000000" pitchFamily="34" charset="-127"/>
+              <a:cs typeface="+mn-cs"/>
             </a:endParaRPr>
           </a:p>
           <a:p>
-            <a:r>
-              <a:rPr lang="en-US" altLang="ko-KR" sz="3200" dirty="0">
-                <a:solidFill>
-                  <a:schemeClr val="bg1"/>
-                </a:solidFill>
-                <a:latin typeface="Noto Sans CJK KR Black" panose="020B0A00000000000000" pitchFamily="34" charset="-127"/>
-                <a:ea typeface="Noto Sans CJK KR Black" panose="020B0A00000000000000" pitchFamily="34" charset="-127"/>
-              </a:rPr>
-              <a:t>“</a:t>
-            </a:r>
-            <a:r>
-              <a:rPr lang="ko-KR" altLang="en-US" sz="3200" dirty="0">
-                <a:solidFill>
-                  <a:schemeClr val="bg1"/>
-                </a:solidFill>
-                <a:latin typeface="Noto Sans CJK KR Black" panose="020B0A00000000000000" pitchFamily="34" charset="-127"/>
-                <a:ea typeface="Noto Sans CJK KR Black" panose="020B0A00000000000000" pitchFamily="34" charset="-127"/>
-              </a:rPr>
-              <a:t>시계열 분석</a:t>
-            </a:r>
-            <a:r>
-              <a:rPr lang="en-US" altLang="ko-KR" sz="3200" dirty="0">
-                <a:solidFill>
-                  <a:schemeClr val="bg1"/>
-                </a:solidFill>
-                <a:latin typeface="Noto Sans CJK KR Black" panose="020B0A00000000000000" pitchFamily="34" charset="-127"/>
-                <a:ea typeface="Noto Sans CJK KR Black" panose="020B0A00000000000000" pitchFamily="34" charset="-127"/>
-              </a:rPr>
-              <a:t>“</a:t>
-            </a:r>
-          </a:p>
-          <a:p>
-            <a:r>
-              <a:rPr lang="en-US" altLang="ko-KR" sz="3200" dirty="0">
-                <a:solidFill>
-                  <a:schemeClr val="bg1"/>
-                </a:solidFill>
-                <a:latin typeface="Noto Sans CJK KR Black" panose="020B0A00000000000000" pitchFamily="34" charset="-127"/>
-                <a:ea typeface="Noto Sans CJK KR Black" panose="020B0A00000000000000" pitchFamily="34" charset="-127"/>
-              </a:rPr>
-              <a:t>“</a:t>
-            </a:r>
-            <a:r>
-              <a:rPr lang="ko-KR" altLang="en-US" sz="3200" dirty="0">
-                <a:solidFill>
-                  <a:schemeClr val="bg1"/>
-                </a:solidFill>
-                <a:latin typeface="Noto Sans CJK KR Black" panose="020B0A00000000000000" pitchFamily="34" charset="-127"/>
-                <a:ea typeface="Noto Sans CJK KR Black" panose="020B0A00000000000000" pitchFamily="34" charset="-127"/>
-              </a:rPr>
-              <a:t>기계학습</a:t>
-            </a:r>
-            <a:r>
-              <a:rPr lang="en-US" altLang="ko-KR" sz="3200" dirty="0">
-                <a:solidFill>
-                  <a:schemeClr val="bg1"/>
-                </a:solidFill>
-                <a:latin typeface="Noto Sans CJK KR Black" panose="020B0A00000000000000" pitchFamily="34" charset="-127"/>
-                <a:ea typeface="Noto Sans CJK KR Black" panose="020B0A00000000000000" pitchFamily="34" charset="-127"/>
-              </a:rPr>
-              <a:t>(Machine Learning) </a:t>
-            </a:r>
-            <a:r>
-              <a:rPr lang="ko-KR" altLang="en-US" sz="3200" dirty="0">
-                <a:solidFill>
-                  <a:schemeClr val="bg1"/>
-                </a:solidFill>
-                <a:latin typeface="Noto Sans CJK KR Black" panose="020B0A00000000000000" pitchFamily="34" charset="-127"/>
-                <a:ea typeface="Noto Sans CJK KR Black" panose="020B0A00000000000000" pitchFamily="34" charset="-127"/>
-              </a:rPr>
-              <a:t>알고리즘</a:t>
-            </a:r>
-            <a:r>
-              <a:rPr lang="en-US" altLang="ko-KR" sz="3200" dirty="0">
-                <a:solidFill>
-                  <a:schemeClr val="bg1"/>
-                </a:solidFill>
-                <a:latin typeface="Noto Sans CJK KR Black" panose="020B0A00000000000000" pitchFamily="34" charset="-127"/>
-                <a:ea typeface="Noto Sans CJK KR Black" panose="020B0A00000000000000" pitchFamily="34" charset="-127"/>
-              </a:rPr>
-              <a:t>“</a:t>
-            </a:r>
+            <a:pPr marL="0" marR="0" lvl="0" indent="0" algn="l" defTabSz="1107796" rtl="0" eaLnBrk="1" fontAlgn="auto" latinLnBrk="1" hangingPunct="1">
+              <a:lnSpc>
+                <a:spcPct val="100000"/>
+              </a:lnSpc>
+              <a:spcBef>
+                <a:spcPts val="0"/>
+              </a:spcBef>
+              <a:spcAft>
+                <a:spcPts val="0"/>
+              </a:spcAft>
+              <a:buClrTx/>
+              <a:buSzTx/>
+              <a:buFontTx/>
+              <a:buNone/>
+              <a:tabLst/>
+              <a:defRPr/>
+            </a:pPr>
+            <a:endParaRPr kumimoji="0" lang="en-US" altLang="ko-KR" sz="4400" b="0" i="0" u="none" strike="noStrike" kern="1200" cap="none" spc="0" normalizeH="0" baseline="0" noProof="0" dirty="0">
+              <a:ln>
+                <a:noFill/>
+              </a:ln>
+              <a:solidFill>
+                <a:prstClr val="white"/>
+              </a:solidFill>
+              <a:effectLst/>
+              <a:uLnTx/>
+              <a:uFillTx/>
+              <a:latin typeface="Noto Sans CJK KR Black" panose="020B0A00000000000000" pitchFamily="34" charset="-127"/>
+              <a:ea typeface="Noto Sans CJK KR Black" panose="020B0A00000000000000" pitchFamily="34" charset="-127"/>
+              <a:cs typeface="+mn-cs"/>
+            </a:endParaRPr>
           </a:p>
         </p:txBody>
       </p:sp>
@@ -5831,25 +6004,117 @@
           </a:bodyPr>
           <a:lstStyle/>
           <a:p>
-            <a:pPr>
+            <a:pPr marL="0" marR="0" lvl="0" indent="0" algn="l" defTabSz="1107796" rtl="0" eaLnBrk="1" fontAlgn="auto" latinLnBrk="1" hangingPunct="1">
               <a:lnSpc>
                 <a:spcPct val="150000"/>
               </a:lnSpc>
+              <a:spcBef>
+                <a:spcPts val="0"/>
+              </a:spcBef>
+              <a:spcAft>
+                <a:spcPts val="0"/>
+              </a:spcAft>
+              <a:buClrTx/>
+              <a:buSzTx/>
+              <a:buFontTx/>
+              <a:buNone/>
+              <a:tabLst/>
+              <a:defRPr/>
             </a:pPr>
-            <a:endParaRPr lang="en-US" altLang="ko-KR" sz="1050" dirty="0">
+            <a:endParaRPr kumimoji="0" lang="en-US" altLang="ko-KR" sz="1050" b="0" i="0" u="none" strike="noStrike" kern="1200" cap="none" spc="0" normalizeH="0" baseline="0" noProof="0" dirty="0">
+              <a:ln>
+                <a:noFill/>
+              </a:ln>
               <a:solidFill>
-                <a:schemeClr val="bg1"/>
+                <a:prstClr val="white"/>
               </a:solidFill>
+              <a:effectLst/>
+              <a:uLnTx/>
+              <a:uFillTx/>
               <a:latin typeface="Noto Sans CJK KR Medium" panose="020B0600000000000000" pitchFamily="34" charset="-127"/>
               <a:ea typeface="Noto Sans CJK KR Medium" panose="020B0600000000000000" pitchFamily="34" charset="-127"/>
+              <a:cs typeface="+mn-cs"/>
             </a:endParaRPr>
+          </a:p>
+        </p:txBody>
+      </p:sp>
+      <p:pic>
+        <p:nvPicPr>
+          <p:cNvPr id="3" name="그림 2">
+            <a:extLst>
+              <a:ext uri="{FF2B5EF4-FFF2-40B4-BE49-F238E27FC236}">
+                <a16:creationId xmlns:a16="http://schemas.microsoft.com/office/drawing/2014/main" id="{1C0EFEA9-A95C-43DF-998F-50A3E45D5D97}"/>
+              </a:ext>
+            </a:extLst>
+          </p:cNvPr>
+          <p:cNvPicPr>
+            <a:picLocks noChangeAspect="1"/>
+          </p:cNvPicPr>
+          <p:nvPr/>
+        </p:nvPicPr>
+        <p:blipFill>
+          <a:blip r:embed="rId3">
+            <a:extLst>
+              <a:ext uri="{28A0092B-C50C-407E-A947-70E740481C1C}">
+                <a14:useLocalDpi xmlns:a14="http://schemas.microsoft.com/office/drawing/2010/main" val="0"/>
+              </a:ext>
+            </a:extLst>
+          </a:blip>
+          <a:stretch>
+            <a:fillRect/>
+          </a:stretch>
+        </p:blipFill>
+        <p:spPr>
+          <a:xfrm>
+            <a:off x="5509976" y="0"/>
+            <a:ext cx="6690829" cy="6840538"/>
+          </a:xfrm>
+          <a:prstGeom prst="rect">
+            <a:avLst/>
+          </a:prstGeom>
+        </p:spPr>
+      </p:pic>
+      <p:sp>
+        <p:nvSpPr>
+          <p:cNvPr id="4" name="TextBox 3">
+            <a:extLst>
+              <a:ext uri="{FF2B5EF4-FFF2-40B4-BE49-F238E27FC236}">
+                <a16:creationId xmlns:a16="http://schemas.microsoft.com/office/drawing/2014/main" id="{19B31AAF-43A9-467F-A682-A1470A682AD3}"/>
+              </a:ext>
+            </a:extLst>
+          </p:cNvPr>
+          <p:cNvSpPr txBox="1"/>
+          <p:nvPr/>
+        </p:nvSpPr>
+        <p:spPr>
+          <a:xfrm>
+            <a:off x="5576069" y="539949"/>
+            <a:ext cx="3168352" cy="2304256"/>
+          </a:xfrm>
+          <a:prstGeom prst="rect">
+            <a:avLst/>
+          </a:prstGeom>
+          <a:noFill/>
+          <a:ln w="38100">
+            <a:solidFill>
+              <a:srgbClr val="FF0000"/>
+            </a:solidFill>
+          </a:ln>
+        </p:spPr>
+        <p:txBody>
+          <a:bodyPr wrap="square" rtlCol="0">
+            <a:spAutoFit/>
+          </a:bodyPr>
+          <a:lstStyle/>
+          <a:p>
+            <a:endParaRPr lang="ko-KR" altLang="en-US" dirty="0"/>
           </a:p>
         </p:txBody>
       </p:sp>
     </p:spTree>
     <p:extLst>
       <p:ext uri="{BB962C8B-B14F-4D97-AF65-F5344CB8AC3E}">
-        <p14:creationId xmlns:p14="http://schemas.microsoft.com/office/powerpoint/2010/main" val="3339102357"/>
+        <p14:creationId xmlns:p14="http://schemas.microsoft.com/office/powerpoint/2010/main" val="2038914197"/>
       </p:ext>
     </p:extLst>
   </p:cSld>

--- a/Shared/[FastCampus] 5주차_강의자료_김경원박사.pptx
+++ b/Shared/[FastCampus] 5주차_강의자료_김경원박사.pptx
@@ -5,10 +5,10 @@
     <p:sldMasterId id="2147483648" r:id="rId1"/>
   </p:sldMasterIdLst>
   <p:notesMasterIdLst>
-    <p:notesMasterId r:id="rId32"/>
+    <p:notesMasterId r:id="rId35"/>
   </p:notesMasterIdLst>
   <p:handoutMasterIdLst>
-    <p:handoutMasterId r:id="rId33"/>
+    <p:handoutMasterId r:id="rId36"/>
   </p:handoutMasterIdLst>
   <p:sldIdLst>
     <p:sldId id="1063" r:id="rId2"/>
@@ -36,19 +36,22 @@
     <p:sldId id="1170" r:id="rId24"/>
     <p:sldId id="1172" r:id="rId25"/>
     <p:sldId id="1173" r:id="rId26"/>
-    <p:sldId id="1174" r:id="rId27"/>
-    <p:sldId id="1175" r:id="rId28"/>
-    <p:sldId id="1176" r:id="rId29"/>
-    <p:sldId id="1193" r:id="rId30"/>
-    <p:sldId id="1062" r:id="rId31"/>
+    <p:sldId id="1195" r:id="rId27"/>
+    <p:sldId id="1174" r:id="rId28"/>
+    <p:sldId id="1175" r:id="rId29"/>
+    <p:sldId id="1196" r:id="rId30"/>
+    <p:sldId id="1176" r:id="rId31"/>
+    <p:sldId id="1197" r:id="rId32"/>
+    <p:sldId id="1193" r:id="rId33"/>
+    <p:sldId id="1062" r:id="rId34"/>
   </p:sldIdLst>
   <p:sldSz cx="12160250" cy="6840538"/>
   <p:notesSz cx="9874250" cy="6797675"/>
   <p:embeddedFontLst>
     <p:embeddedFont>
       <p:font typeface="맑은 고딕" panose="020B0503020000020004" pitchFamily="50" charset="-127"/>
-      <p:regular r:id="rId34"/>
-      <p:bold r:id="rId35"/>
+      <p:regular r:id="rId37"/>
+      <p:bold r:id="rId38"/>
     </p:embeddedFont>
   </p:embeddedFontLst>
   <p:defaultTextStyle>
@@ -261,7 +264,7 @@
           <a:p>
             <a:fld id="{FC718EE8-BF93-4A17-BED5-FC99EECA5FC7}" type="datetimeFigureOut">
               <a:rPr lang="ko-KR" altLang="en-US" smtClean="0"/>
-              <a:t>2019-08-04</a:t>
+              <a:t>2020-01-04</a:t>
             </a:fld>
             <a:endParaRPr lang="ko-KR" altLang="en-US"/>
           </a:p>
@@ -426,7 +429,7 @@
           <a:p>
             <a:fld id="{6101F873-BA02-446B-9127-C4DE4310B943}" type="datetimeFigureOut">
               <a:rPr lang="ko-KR" altLang="en-US" smtClean="0"/>
-              <a:t>2019-08-04</a:t>
+              <a:t>2020-01-04</a:t>
             </a:fld>
             <a:endParaRPr lang="ko-KR" altLang="en-US"/>
           </a:p>
@@ -1016,7 +1019,7 @@
           <a:p>
             <a:fld id="{89B5E594-86C5-4F1D-8812-38DF40064943}" type="datetime1">
               <a:rPr lang="ko-KR" altLang="en-US" smtClean="0"/>
-              <a:t>2019-08-04</a:t>
+              <a:t>2020-01-04</a:t>
             </a:fld>
             <a:endParaRPr lang="ko-KR" altLang="en-US"/>
           </a:p>
@@ -1224,7 +1227,7 @@
           <a:p>
             <a:fld id="{05C0B17C-522D-4CD8-8139-01EDEBAB2AF6}" type="datetime1">
               <a:rPr lang="ko-KR" altLang="en-US" smtClean="0"/>
-              <a:t>2019-08-04</a:t>
+              <a:t>2020-01-04</a:t>
             </a:fld>
             <a:endParaRPr lang="ko-KR" altLang="en-US"/>
           </a:p>
@@ -1402,7 +1405,7 @@
           <a:p>
             <a:fld id="{7345261C-38F3-40E7-AAA6-CE27B727AA65}" type="datetime1">
               <a:rPr lang="ko-KR" altLang="en-US" smtClean="0"/>
-              <a:t>2019-08-04</a:t>
+              <a:t>2020-01-04</a:t>
             </a:fld>
             <a:endParaRPr lang="ko-KR" altLang="en-US"/>
           </a:p>
@@ -1570,7 +1573,7 @@
           <a:p>
             <a:fld id="{A8472951-AD8C-47B8-8787-30E2F4BFA1EA}" type="datetime1">
               <a:rPr lang="ko-KR" altLang="en-US" smtClean="0"/>
-              <a:t>2019-08-04</a:t>
+              <a:t>2020-01-04</a:t>
             </a:fld>
             <a:endParaRPr lang="ko-KR" altLang="en-US"/>
           </a:p>
@@ -1825,7 +1828,7 @@
           <a:p>
             <a:fld id="{8BCB1BBF-13D1-46E6-8B8B-C9F26A0BAD91}" type="datetime1">
               <a:rPr lang="ko-KR" altLang="en-US" smtClean="0"/>
-              <a:t>2019-08-04</a:t>
+              <a:t>2020-01-04</a:t>
             </a:fld>
             <a:endParaRPr lang="ko-KR" altLang="en-US"/>
           </a:p>
@@ -2110,7 +2113,7 @@
           <a:p>
             <a:fld id="{B16FDC3D-FD6A-49DF-B101-11717D57279F}" type="datetime1">
               <a:rPr lang="ko-KR" altLang="en-US" smtClean="0"/>
-              <a:t>2019-08-04</a:t>
+              <a:t>2020-01-04</a:t>
             </a:fld>
             <a:endParaRPr lang="ko-KR" altLang="en-US"/>
           </a:p>
@@ -2529,7 +2532,7 @@
           <a:p>
             <a:fld id="{42D411A2-FD90-4A19-98A8-25197A66BC26}" type="datetime1">
               <a:rPr lang="ko-KR" altLang="en-US" smtClean="0"/>
-              <a:t>2019-08-04</a:t>
+              <a:t>2020-01-04</a:t>
             </a:fld>
             <a:endParaRPr lang="ko-KR" altLang="en-US"/>
           </a:p>
@@ -2646,7 +2649,7 @@
           <a:p>
             <a:fld id="{F6E6B532-6471-449A-9A2F-4428556C2F98}" type="datetime1">
               <a:rPr lang="ko-KR" altLang="en-US" smtClean="0"/>
-              <a:t>2019-08-04</a:t>
+              <a:t>2020-01-04</a:t>
             </a:fld>
             <a:endParaRPr lang="ko-KR" altLang="en-US"/>
           </a:p>
@@ -2741,7 +2744,7 @@
           <a:p>
             <a:fld id="{45A9E13B-856D-4562-A86D-A2B6F7BF810F}" type="datetime1">
               <a:rPr lang="ko-KR" altLang="en-US" smtClean="0"/>
-              <a:t>2019-08-04</a:t>
+              <a:t>2020-01-04</a:t>
             </a:fld>
             <a:endParaRPr lang="ko-KR" altLang="en-US"/>
           </a:p>
@@ -3016,7 +3019,7 @@
           <a:p>
             <a:fld id="{A672FB3A-7E9E-4380-9381-6FCA87FBB41A}" type="datetime1">
               <a:rPr lang="ko-KR" altLang="en-US" smtClean="0"/>
-              <a:t>2019-08-04</a:t>
+              <a:t>2020-01-04</a:t>
             </a:fld>
             <a:endParaRPr lang="ko-KR" altLang="en-US"/>
           </a:p>
@@ -3268,7 +3271,7 @@
           <a:p>
             <a:fld id="{3948CCBA-1514-4E9E-888A-807450F810B0}" type="datetime1">
               <a:rPr lang="ko-KR" altLang="en-US" smtClean="0"/>
-              <a:t>2019-08-04</a:t>
+              <a:t>2020-01-04</a:t>
             </a:fld>
             <a:endParaRPr lang="ko-KR" altLang="en-US"/>
           </a:p>
@@ -3481,7 +3484,7 @@
           <a:p>
             <a:fld id="{170EDEE7-370E-499F-B978-ABF387098974}" type="datetime1">
               <a:rPr lang="ko-KR" altLang="en-US" smtClean="0"/>
-              <a:t>2019-08-04</a:t>
+              <a:t>2020-01-04</a:t>
             </a:fld>
             <a:endParaRPr lang="ko-KR" altLang="en-US" dirty="0"/>
           </a:p>
@@ -7027,10 +7030,10 @@
       </p:sp>
       <p:pic>
         <p:nvPicPr>
-          <p:cNvPr id="2" name="그림 1">
+          <p:cNvPr id="6" name="그림 5">
             <a:extLst>
               <a:ext uri="{FF2B5EF4-FFF2-40B4-BE49-F238E27FC236}">
-                <a16:creationId xmlns:a16="http://schemas.microsoft.com/office/drawing/2014/main" id="{93638417-DF39-447E-B5BC-0D9EB8FDBA3E}"/>
+                <a16:creationId xmlns:a16="http://schemas.microsoft.com/office/drawing/2014/main" id="{79A5DFBA-CE05-4AFE-AF6E-56F824B27E49}"/>
               </a:ext>
             </a:extLst>
           </p:cNvPr>
@@ -7047,8 +7050,8 @@
         </p:blipFill>
         <p:spPr>
           <a:xfrm>
-            <a:off x="3459271" y="221693"/>
-            <a:ext cx="8105775" cy="6515100"/>
+            <a:off x="3847877" y="634206"/>
+            <a:ext cx="7143750" cy="5572125"/>
           </a:xfrm>
           <a:prstGeom prst="rect">
             <a:avLst/>
@@ -7132,7 +7135,7 @@
                 <a:latin typeface="Noto Sans CJK KR Black" pitchFamily="34" charset="-127"/>
                 <a:ea typeface="Noto Sans CJK KR Black" pitchFamily="34" charset="-127"/>
               </a:rPr>
-              <a:t>기계학습 </a:t>
+              <a:t>기계학습</a:t>
             </a:r>
             <a:br>
               <a:rPr lang="en-US" altLang="ko-KR" sz="4400" dirty="0">
@@ -7199,7 +7202,7 @@
           <p:cNvPr id="2" name="그림 1">
             <a:extLst>
               <a:ext uri="{FF2B5EF4-FFF2-40B4-BE49-F238E27FC236}">
-                <a16:creationId xmlns:a16="http://schemas.microsoft.com/office/drawing/2014/main" id="{D6106B40-A656-4BEA-913E-6180A711DBD7}"/>
+                <a16:creationId xmlns:a16="http://schemas.microsoft.com/office/drawing/2014/main" id="{EA433723-7CBE-4DF6-B257-D1F1D59D51D2}"/>
               </a:ext>
             </a:extLst>
           </p:cNvPr>
@@ -7216,8 +7219,8 @@
         </p:blipFill>
         <p:spPr>
           <a:xfrm>
-            <a:off x="5024702" y="0"/>
-            <a:ext cx="6492842" cy="6840538"/>
+            <a:off x="4063901" y="1839119"/>
+            <a:ext cx="6743700" cy="3162300"/>
           </a:xfrm>
           <a:prstGeom prst="rect">
             <a:avLst/>
@@ -7227,7 +7230,7 @@
     </p:spTree>
     <p:extLst>
       <p:ext uri="{BB962C8B-B14F-4D97-AF65-F5344CB8AC3E}">
-        <p14:creationId xmlns:p14="http://schemas.microsoft.com/office/powerpoint/2010/main" val="4201038256"/>
+        <p14:creationId xmlns:p14="http://schemas.microsoft.com/office/powerpoint/2010/main" val="511879905"/>
       </p:ext>
     </p:extLst>
   </p:cSld>
@@ -7272,7 +7275,7 @@
         </p:spPr>
         <p:txBody>
           <a:bodyPr>
-            <a:normAutofit/>
+            <a:normAutofit fontScale="90000"/>
           </a:bodyPr>
           <a:lstStyle/>
           <a:p>
@@ -7301,7 +7304,32 @@
                 <a:latin typeface="Noto Sans CJK KR Black" pitchFamily="34" charset="-127"/>
                 <a:ea typeface="Noto Sans CJK KR Black" pitchFamily="34" charset="-127"/>
               </a:rPr>
-              <a:t>기계학습 알고리즘</a:t>
+              <a:t>기계학습 </a:t>
+            </a:r>
+            <a:br>
+              <a:rPr lang="en-US" altLang="ko-KR" sz="4400" dirty="0">
+                <a:solidFill>
+                  <a:schemeClr val="tx1">
+                    <a:lumMod val="75000"/>
+                    <a:lumOff val="25000"/>
+                  </a:schemeClr>
+                </a:solidFill>
+                <a:latin typeface="Noto Sans CJK KR Black" pitchFamily="34" charset="-127"/>
+                <a:ea typeface="Noto Sans CJK KR Black" pitchFamily="34" charset="-127"/>
+              </a:rPr>
+            </a:br>
+            <a:r>
+              <a:rPr lang="ko-KR" altLang="en-US" sz="4400" dirty="0">
+                <a:solidFill>
+                  <a:schemeClr val="tx1">
+                    <a:lumMod val="75000"/>
+                    <a:lumOff val="25000"/>
+                  </a:schemeClr>
+                </a:solidFill>
+                <a:latin typeface="Noto Sans CJK KR Black" pitchFamily="34" charset="-127"/>
+                <a:ea typeface="Noto Sans CJK KR Black" pitchFamily="34" charset="-127"/>
+              </a:rPr>
+              <a:t>알고리즘</a:t>
             </a:r>
             <a:endParaRPr lang="ko-KR" altLang="en-US" sz="4400" dirty="0">
               <a:solidFill>
@@ -7340,10 +7368,10 @@
       </p:sp>
       <p:pic>
         <p:nvPicPr>
-          <p:cNvPr id="2" name="그림 1">
+          <p:cNvPr id="4" name="그림 3">
             <a:extLst>
               <a:ext uri="{FF2B5EF4-FFF2-40B4-BE49-F238E27FC236}">
-                <a16:creationId xmlns:a16="http://schemas.microsoft.com/office/drawing/2014/main" id="{FA8CCA30-C87E-4848-A034-396AA29BA454}"/>
+                <a16:creationId xmlns:a16="http://schemas.microsoft.com/office/drawing/2014/main" id="{A112DCD3-9290-4424-88B6-7A21462ADA89}"/>
               </a:ext>
             </a:extLst>
           </p:cNvPr>
@@ -7360,8 +7388,8 @@
         </p:blipFill>
         <p:spPr>
           <a:xfrm>
-            <a:off x="2451100" y="1703372"/>
-            <a:ext cx="7258050" cy="4695825"/>
+            <a:off x="4279925" y="0"/>
+            <a:ext cx="7143740" cy="6840538"/>
           </a:xfrm>
           <a:prstGeom prst="rect">
             <a:avLst/>
@@ -7371,7 +7399,7 @@
     </p:spTree>
     <p:extLst>
       <p:ext uri="{BB962C8B-B14F-4D97-AF65-F5344CB8AC3E}">
-        <p14:creationId xmlns:p14="http://schemas.microsoft.com/office/powerpoint/2010/main" val="3370882647"/>
+        <p14:creationId xmlns:p14="http://schemas.microsoft.com/office/powerpoint/2010/main" val="4201038256"/>
       </p:ext>
     </p:extLst>
   </p:cSld>
@@ -7484,10 +7512,10 @@
       </p:sp>
       <p:pic>
         <p:nvPicPr>
-          <p:cNvPr id="2" name="그림 1">
+          <p:cNvPr id="4" name="그림 3">
             <a:extLst>
               <a:ext uri="{FF2B5EF4-FFF2-40B4-BE49-F238E27FC236}">
-                <a16:creationId xmlns:a16="http://schemas.microsoft.com/office/drawing/2014/main" id="{8C0B53B6-91CD-4674-AD8B-229D8AB36492}"/>
+                <a16:creationId xmlns:a16="http://schemas.microsoft.com/office/drawing/2014/main" id="{D4589BCC-D13A-4485-9CF7-2B87139B31DD}"/>
               </a:ext>
             </a:extLst>
           </p:cNvPr>
@@ -7504,38 +7532,8 @@
         </p:blipFill>
         <p:spPr>
           <a:xfrm>
-            <a:off x="319485" y="1551075"/>
-            <a:ext cx="7505700" cy="4962525"/>
-          </a:xfrm>
-          <a:prstGeom prst="rect">
-            <a:avLst/>
-          </a:prstGeom>
-        </p:spPr>
-      </p:pic>
-      <p:pic>
-        <p:nvPicPr>
-          <p:cNvPr id="4" name="그림 3">
-            <a:extLst>
-              <a:ext uri="{FF2B5EF4-FFF2-40B4-BE49-F238E27FC236}">
-                <a16:creationId xmlns:a16="http://schemas.microsoft.com/office/drawing/2014/main" id="{6FC8C0FF-56DC-42A2-8B16-0A08674CEB15}"/>
-              </a:ext>
-            </a:extLst>
-          </p:cNvPr>
-          <p:cNvPicPr>
-            <a:picLocks noChangeAspect="1"/>
-          </p:cNvPicPr>
-          <p:nvPr/>
-        </p:nvPicPr>
-        <p:blipFill>
-          <a:blip r:embed="rId3"/>
-          <a:stretch>
-            <a:fillRect/>
-          </a:stretch>
-        </p:blipFill>
-        <p:spPr>
-          <a:xfrm>
-            <a:off x="7742630" y="2717359"/>
-            <a:ext cx="4391025" cy="1809750"/>
+            <a:off x="1484312" y="1692077"/>
+            <a:ext cx="9191625" cy="4171950"/>
           </a:xfrm>
           <a:prstGeom prst="rect">
             <a:avLst/>
@@ -7545,7 +7543,7 @@
     </p:spTree>
     <p:extLst>
       <p:ext uri="{BB962C8B-B14F-4D97-AF65-F5344CB8AC3E}">
-        <p14:creationId xmlns:p14="http://schemas.microsoft.com/office/powerpoint/2010/main" val="3120240796"/>
+        <p14:creationId xmlns:p14="http://schemas.microsoft.com/office/powerpoint/2010/main" val="3370882647"/>
       </p:ext>
     </p:extLst>
   </p:cSld>
@@ -7584,56 +7582,19 @@
         </p:nvSpPr>
         <p:spPr>
           <a:xfrm>
-            <a:off x="608012" y="2700189"/>
+            <a:off x="608016" y="551987"/>
             <a:ext cx="10944225" cy="1140090"/>
           </a:xfrm>
         </p:spPr>
         <p:txBody>
           <a:bodyPr>
-            <a:noAutofit/>
+            <a:normAutofit/>
           </a:bodyPr>
           <a:lstStyle/>
           <a:p>
             <a:pPr algn="l"/>
             <a:r>
-              <a:rPr lang="en-US" altLang="ko-KR" sz="4000" b="1" dirty="0">
-                <a:solidFill>
-                  <a:schemeClr val="tx1">
-                    <a:lumMod val="75000"/>
-                    <a:lumOff val="25000"/>
-                  </a:schemeClr>
-                </a:solidFill>
-                <a:latin typeface="Noto Sans CJK KR Black" pitchFamily="34" charset="-127"/>
-                <a:ea typeface="Noto Sans CJK KR Black" pitchFamily="34" charset="-127"/>
-              </a:rPr>
-              <a:t>&lt;Quiz&gt;</a:t>
-            </a:r>
-            <a:br>
-              <a:rPr lang="en-US" altLang="ko-KR" sz="3200" dirty="0">
-                <a:solidFill>
-                  <a:schemeClr val="tx1">
-                    <a:lumMod val="75000"/>
-                    <a:lumOff val="25000"/>
-                  </a:schemeClr>
-                </a:solidFill>
-                <a:latin typeface="Noto Sans CJK KR Black" pitchFamily="34" charset="-127"/>
-                <a:ea typeface="Noto Sans CJK KR Black" pitchFamily="34" charset="-127"/>
-              </a:rPr>
-            </a:br>
-            <a:br>
-              <a:rPr lang="en-US" altLang="ko-KR" sz="3200" dirty="0">
-                <a:solidFill>
-                  <a:schemeClr val="tx1">
-                    <a:lumMod val="75000"/>
-                    <a:lumOff val="25000"/>
-                  </a:schemeClr>
-                </a:solidFill>
-                <a:latin typeface="Noto Sans CJK KR Black" pitchFamily="34" charset="-127"/>
-                <a:ea typeface="Noto Sans CJK KR Black" pitchFamily="34" charset="-127"/>
-              </a:rPr>
-            </a:br>
-            <a:r>
-              <a:rPr lang="en-US" altLang="ko-KR" sz="2400" dirty="0">
+              <a:rPr lang="en-US" altLang="ko-KR" sz="4400" dirty="0">
                 <a:solidFill>
                   <a:schemeClr val="tx1">
                     <a:lumMod val="75000"/>
@@ -7646,363 +7607,19 @@
               <a:t>1. </a:t>
             </a:r>
             <a:r>
-              <a:rPr lang="ko-KR" altLang="en-US" sz="2400" dirty="0" err="1">
-                <a:solidFill>
-                  <a:schemeClr val="tx1">
-                    <a:lumMod val="75000"/>
-                    <a:lumOff val="25000"/>
-                  </a:schemeClr>
-                </a:solidFill>
-                <a:latin typeface="Noto Sans CJK KR Black" pitchFamily="34" charset="-127"/>
-                <a:ea typeface="Noto Sans CJK KR Black" pitchFamily="34" charset="-127"/>
-              </a:rPr>
-              <a:t>다중공선성이</a:t>
-            </a:r>
-            <a:r>
-              <a:rPr lang="ko-KR" altLang="en-US" sz="2400" dirty="0">
-                <a:solidFill>
-                  <a:schemeClr val="tx1">
-                    <a:lumMod val="75000"/>
-                    <a:lumOff val="25000"/>
-                  </a:schemeClr>
-                </a:solidFill>
-                <a:latin typeface="Noto Sans CJK KR Black" pitchFamily="34" charset="-127"/>
-                <a:ea typeface="Noto Sans CJK KR Black" pitchFamily="34" charset="-127"/>
-              </a:rPr>
-              <a:t> 발생하는 이유를 설명하고</a:t>
-            </a:r>
-            <a:r>
-              <a:rPr lang="en-US" altLang="ko-KR" sz="2400" dirty="0">
-                <a:solidFill>
-                  <a:schemeClr val="tx1">
-                    <a:lumMod val="75000"/>
-                    <a:lumOff val="25000"/>
-                  </a:schemeClr>
-                </a:solidFill>
-                <a:latin typeface="Noto Sans CJK KR Black" pitchFamily="34" charset="-127"/>
-                <a:ea typeface="Noto Sans CJK KR Black" pitchFamily="34" charset="-127"/>
-              </a:rPr>
-              <a:t>, </a:t>
-            </a:r>
-            <a:r>
-              <a:rPr lang="ko-KR" altLang="en-US" sz="2400" dirty="0">
-                <a:solidFill>
-                  <a:schemeClr val="tx1">
-                    <a:lumMod val="75000"/>
-                    <a:lumOff val="25000"/>
-                  </a:schemeClr>
-                </a:solidFill>
-                <a:latin typeface="Noto Sans CJK KR Black" pitchFamily="34" charset="-127"/>
-                <a:ea typeface="Noto Sans CJK KR Black" pitchFamily="34" charset="-127"/>
-              </a:rPr>
-              <a:t>어떠한 단점이 생기는지 최소 </a:t>
-            </a:r>
-            <a:r>
-              <a:rPr lang="en-US" altLang="ko-KR" sz="2400" dirty="0">
-                <a:solidFill>
-                  <a:schemeClr val="tx1">
-                    <a:lumMod val="75000"/>
-                    <a:lumOff val="25000"/>
-                  </a:schemeClr>
-                </a:solidFill>
-                <a:latin typeface="Noto Sans CJK KR Black" pitchFamily="34" charset="-127"/>
-                <a:ea typeface="Noto Sans CJK KR Black" pitchFamily="34" charset="-127"/>
-              </a:rPr>
-              <a:t>2</a:t>
-            </a:r>
-            <a:r>
-              <a:rPr lang="ko-KR" altLang="en-US" sz="2400" dirty="0">
-                <a:solidFill>
-                  <a:schemeClr val="tx1">
-                    <a:lumMod val="75000"/>
-                    <a:lumOff val="25000"/>
-                  </a:schemeClr>
-                </a:solidFill>
-                <a:latin typeface="Noto Sans CJK KR Black" pitchFamily="34" charset="-127"/>
-                <a:ea typeface="Noto Sans CJK KR Black" pitchFamily="34" charset="-127"/>
-              </a:rPr>
-              <a:t>가지를 설명하라</a:t>
-            </a:r>
-            <a:r>
-              <a:rPr lang="en-US" altLang="ko-KR" sz="2400" dirty="0">
-                <a:solidFill>
-                  <a:schemeClr val="tx1">
-                    <a:lumMod val="75000"/>
-                    <a:lumOff val="25000"/>
-                  </a:schemeClr>
-                </a:solidFill>
-                <a:latin typeface="Noto Sans CJK KR Black" pitchFamily="34" charset="-127"/>
-                <a:ea typeface="Noto Sans CJK KR Black" pitchFamily="34" charset="-127"/>
-              </a:rPr>
-              <a:t>.</a:t>
-            </a:r>
-            <a:br>
-              <a:rPr lang="en-US" altLang="ko-KR" sz="2400" dirty="0">
-                <a:solidFill>
-                  <a:schemeClr val="tx1">
-                    <a:lumMod val="75000"/>
-                    <a:lumOff val="25000"/>
-                  </a:schemeClr>
-                </a:solidFill>
-                <a:latin typeface="Noto Sans CJK KR Black" pitchFamily="34" charset="-127"/>
-                <a:ea typeface="Noto Sans CJK KR Black" pitchFamily="34" charset="-127"/>
-              </a:rPr>
-            </a:br>
-            <a:br>
-              <a:rPr lang="en-US" altLang="ko-KR" sz="2400" dirty="0">
-                <a:solidFill>
-                  <a:schemeClr val="tx1">
-                    <a:lumMod val="75000"/>
-                    <a:lumOff val="25000"/>
-                  </a:schemeClr>
-                </a:solidFill>
-                <a:latin typeface="Noto Sans CJK KR Black" pitchFamily="34" charset="-127"/>
-                <a:ea typeface="Noto Sans CJK KR Black" pitchFamily="34" charset="-127"/>
-              </a:rPr>
-            </a:br>
-            <a:br>
-              <a:rPr lang="en-US" altLang="ko-KR" sz="2400" dirty="0">
-                <a:solidFill>
-                  <a:schemeClr val="tx1">
-                    <a:lumMod val="75000"/>
-                    <a:lumOff val="25000"/>
-                  </a:schemeClr>
-                </a:solidFill>
-                <a:latin typeface="Noto Sans CJK KR Black" pitchFamily="34" charset="-127"/>
-                <a:ea typeface="Noto Sans CJK KR Black" pitchFamily="34" charset="-127"/>
-              </a:rPr>
-            </a:br>
-            <a:r>
-              <a:rPr lang="en-US" altLang="ko-KR" sz="2400" dirty="0">
-                <a:solidFill>
-                  <a:schemeClr val="tx1">
-                    <a:lumMod val="75000"/>
-                    <a:lumOff val="25000"/>
-                  </a:schemeClr>
-                </a:solidFill>
-                <a:latin typeface="Noto Sans CJK KR Black" pitchFamily="34" charset="-127"/>
-                <a:ea typeface="Noto Sans CJK KR Black" pitchFamily="34" charset="-127"/>
-              </a:rPr>
-              <a:t>2. Ridge </a:t>
-            </a:r>
-            <a:r>
-              <a:rPr lang="ko-KR" altLang="en-US" sz="2400" dirty="0">
-                <a:solidFill>
-                  <a:schemeClr val="tx1">
-                    <a:lumMod val="75000"/>
-                    <a:lumOff val="25000"/>
-                  </a:schemeClr>
-                </a:solidFill>
-                <a:latin typeface="Noto Sans CJK KR Black" pitchFamily="34" charset="-127"/>
-                <a:ea typeface="Noto Sans CJK KR Black" pitchFamily="34" charset="-127"/>
-              </a:rPr>
-              <a:t>회귀분석과 </a:t>
-            </a:r>
-            <a:r>
-              <a:rPr lang="en-US" altLang="ko-KR" sz="2400" dirty="0">
-                <a:solidFill>
-                  <a:schemeClr val="tx1">
-                    <a:lumMod val="75000"/>
-                    <a:lumOff val="25000"/>
-                  </a:schemeClr>
-                </a:solidFill>
-                <a:latin typeface="Noto Sans CJK KR Black" pitchFamily="34" charset="-127"/>
-                <a:ea typeface="Noto Sans CJK KR Black" pitchFamily="34" charset="-127"/>
-              </a:rPr>
-              <a:t>Lasso </a:t>
-            </a:r>
-            <a:r>
-              <a:rPr lang="ko-KR" altLang="en-US" sz="2400" dirty="0">
-                <a:solidFill>
-                  <a:schemeClr val="tx1">
-                    <a:lumMod val="75000"/>
-                    <a:lumOff val="25000"/>
-                  </a:schemeClr>
-                </a:solidFill>
-                <a:latin typeface="Noto Sans CJK KR Black" pitchFamily="34" charset="-127"/>
-                <a:ea typeface="Noto Sans CJK KR Black" pitchFamily="34" charset="-127"/>
-              </a:rPr>
-              <a:t>회귀분석의 차이를 설명하고</a:t>
-            </a:r>
-            <a:r>
-              <a:rPr lang="en-US" altLang="ko-KR" sz="2400" dirty="0">
-                <a:solidFill>
-                  <a:schemeClr val="tx1">
-                    <a:lumMod val="75000"/>
-                    <a:lumOff val="25000"/>
-                  </a:schemeClr>
-                </a:solidFill>
-                <a:latin typeface="Noto Sans CJK KR Black" pitchFamily="34" charset="-127"/>
-                <a:ea typeface="Noto Sans CJK KR Black" pitchFamily="34" charset="-127"/>
-              </a:rPr>
-              <a:t>, </a:t>
-            </a:r>
-            <a:r>
-              <a:rPr lang="ko-KR" altLang="en-US" sz="2400" dirty="0">
-                <a:solidFill>
-                  <a:schemeClr val="tx1">
-                    <a:lumMod val="75000"/>
-                    <a:lumOff val="25000"/>
-                  </a:schemeClr>
-                </a:solidFill>
-                <a:latin typeface="Noto Sans CJK KR Black" pitchFamily="34" charset="-127"/>
-                <a:ea typeface="Noto Sans CJK KR Black" pitchFamily="34" charset="-127"/>
-              </a:rPr>
-              <a:t>추정된 계수는 어떤 특성이 있는지 설명하라</a:t>
-            </a:r>
-            <a:r>
-              <a:rPr lang="en-US" altLang="ko-KR" sz="2400" dirty="0">
-                <a:solidFill>
-                  <a:schemeClr val="tx1">
-                    <a:lumMod val="75000"/>
-                    <a:lumOff val="25000"/>
-                  </a:schemeClr>
-                </a:solidFill>
-                <a:latin typeface="Noto Sans CJK KR Black" pitchFamily="34" charset="-127"/>
-                <a:ea typeface="Noto Sans CJK KR Black" pitchFamily="34" charset="-127"/>
-              </a:rPr>
-              <a:t>.</a:t>
-            </a:r>
-            <a:br>
-              <a:rPr lang="en-US" altLang="ko-KR" sz="2400" dirty="0">
-                <a:solidFill>
-                  <a:schemeClr val="tx1">
-                    <a:lumMod val="75000"/>
-                    <a:lumOff val="25000"/>
-                  </a:schemeClr>
-                </a:solidFill>
-                <a:latin typeface="Noto Sans CJK KR Black" pitchFamily="34" charset="-127"/>
-                <a:ea typeface="Noto Sans CJK KR Black" pitchFamily="34" charset="-127"/>
-              </a:rPr>
-            </a:br>
-            <a:br>
-              <a:rPr lang="en-US" altLang="ko-KR" sz="2400" dirty="0">
-                <a:solidFill>
-                  <a:schemeClr val="tx1">
-                    <a:lumMod val="75000"/>
-                    <a:lumOff val="25000"/>
-                  </a:schemeClr>
-                </a:solidFill>
-                <a:latin typeface="Noto Sans CJK KR Black" pitchFamily="34" charset="-127"/>
-                <a:ea typeface="Noto Sans CJK KR Black" pitchFamily="34" charset="-127"/>
-              </a:rPr>
-            </a:br>
-            <a:br>
-              <a:rPr lang="en-US" altLang="ko-KR" sz="2400" dirty="0">
-                <a:solidFill>
-                  <a:schemeClr val="tx1">
-                    <a:lumMod val="75000"/>
-                    <a:lumOff val="25000"/>
-                  </a:schemeClr>
-                </a:solidFill>
-                <a:latin typeface="Noto Sans CJK KR Black" pitchFamily="34" charset="-127"/>
-                <a:ea typeface="Noto Sans CJK KR Black" pitchFamily="34" charset="-127"/>
-              </a:rPr>
-            </a:br>
-            <a:r>
-              <a:rPr lang="en-US" altLang="ko-KR" sz="2400" dirty="0">
-                <a:solidFill>
-                  <a:schemeClr val="tx1">
-                    <a:lumMod val="75000"/>
-                    <a:lumOff val="25000"/>
-                  </a:schemeClr>
-                </a:solidFill>
-                <a:latin typeface="Noto Sans CJK KR Black" pitchFamily="34" charset="-127"/>
-                <a:ea typeface="Noto Sans CJK KR Black" pitchFamily="34" charset="-127"/>
-              </a:rPr>
-              <a:t>3. Bagging</a:t>
-            </a:r>
-            <a:r>
-              <a:rPr lang="ko-KR" altLang="en-US" sz="2400" dirty="0">
-                <a:solidFill>
-                  <a:schemeClr val="tx1">
-                    <a:lumMod val="75000"/>
-                    <a:lumOff val="25000"/>
-                  </a:schemeClr>
-                </a:solidFill>
-                <a:latin typeface="Noto Sans CJK KR Black" pitchFamily="34" charset="-127"/>
-                <a:ea typeface="Noto Sans CJK KR Black" pitchFamily="34" charset="-127"/>
-              </a:rPr>
-              <a:t>과 </a:t>
-            </a:r>
-            <a:r>
-              <a:rPr lang="en-US" altLang="ko-KR" sz="2400" dirty="0">
-                <a:solidFill>
-                  <a:schemeClr val="tx1">
-                    <a:lumMod val="75000"/>
-                    <a:lumOff val="25000"/>
-                  </a:schemeClr>
-                </a:solidFill>
-                <a:latin typeface="Noto Sans CJK KR Black" pitchFamily="34" charset="-127"/>
-                <a:ea typeface="Noto Sans CJK KR Black" pitchFamily="34" charset="-127"/>
-              </a:rPr>
-              <a:t>Boosting</a:t>
-            </a:r>
-            <a:r>
-              <a:rPr lang="ko-KR" altLang="en-US" sz="2400" dirty="0">
-                <a:solidFill>
-                  <a:schemeClr val="tx1">
-                    <a:lumMod val="75000"/>
-                    <a:lumOff val="25000"/>
-                  </a:schemeClr>
-                </a:solidFill>
-                <a:latin typeface="Noto Sans CJK KR Black" pitchFamily="34" charset="-127"/>
-                <a:ea typeface="Noto Sans CJK KR Black" pitchFamily="34" charset="-127"/>
-              </a:rPr>
-              <a:t>의 차이를 설명하고</a:t>
-            </a:r>
-            <a:r>
-              <a:rPr lang="en-US" altLang="ko-KR" sz="2400" dirty="0">
-                <a:solidFill>
-                  <a:schemeClr val="tx1">
-                    <a:lumMod val="75000"/>
-                    <a:lumOff val="25000"/>
-                  </a:schemeClr>
-                </a:solidFill>
-                <a:latin typeface="Noto Sans CJK KR Black" pitchFamily="34" charset="-127"/>
-                <a:ea typeface="Noto Sans CJK KR Black" pitchFamily="34" charset="-127"/>
-              </a:rPr>
-              <a:t>, </a:t>
-            </a:r>
-            <a:r>
-              <a:rPr lang="ko-KR" altLang="en-US" sz="2400" dirty="0">
-                <a:solidFill>
-                  <a:schemeClr val="tx1">
-                    <a:lumMod val="75000"/>
-                    <a:lumOff val="25000"/>
-                  </a:schemeClr>
-                </a:solidFill>
-                <a:latin typeface="Noto Sans CJK KR Black" pitchFamily="34" charset="-127"/>
-                <a:ea typeface="Noto Sans CJK KR Black" pitchFamily="34" charset="-127"/>
-              </a:rPr>
-              <a:t>각각의 대표적인 알고리즘을 설명하라</a:t>
-            </a:r>
-            <a:r>
-              <a:rPr lang="en-US" altLang="ko-KR" sz="2400" dirty="0">
-                <a:solidFill>
-                  <a:schemeClr val="tx1">
-                    <a:lumMod val="75000"/>
-                    <a:lumOff val="25000"/>
-                  </a:schemeClr>
-                </a:solidFill>
-                <a:latin typeface="Noto Sans CJK KR Black" pitchFamily="34" charset="-127"/>
-                <a:ea typeface="Noto Sans CJK KR Black" pitchFamily="34" charset="-127"/>
-              </a:rPr>
-              <a:t>.</a:t>
-            </a:r>
-            <a:br>
-              <a:rPr lang="en-US" altLang="ko-KR" sz="2400" dirty="0">
-                <a:solidFill>
-                  <a:schemeClr val="tx1">
-                    <a:lumMod val="75000"/>
-                    <a:lumOff val="25000"/>
-                  </a:schemeClr>
-                </a:solidFill>
-                <a:latin typeface="Noto Sans CJK KR Black" pitchFamily="34" charset="-127"/>
-                <a:ea typeface="Noto Sans CJK KR Black" pitchFamily="34" charset="-127"/>
-              </a:rPr>
-            </a:br>
-            <a:endParaRPr lang="ko-KR" altLang="en-US" sz="3200" dirty="0">
+              <a:rPr lang="ko-KR" altLang="en-US" sz="4400" dirty="0">
+                <a:solidFill>
+                  <a:schemeClr val="tx1">
+                    <a:lumMod val="75000"/>
+                    <a:lumOff val="25000"/>
+                  </a:schemeClr>
+                </a:solidFill>
+                <a:latin typeface="Noto Sans CJK KR Black" pitchFamily="34" charset="-127"/>
+                <a:ea typeface="Noto Sans CJK KR Black" pitchFamily="34" charset="-127"/>
+              </a:rPr>
+              <a:t>기계학습 알고리즘</a:t>
+            </a:r>
+            <a:endParaRPr lang="ko-KR" altLang="en-US" sz="4400" dirty="0">
               <a:solidFill>
                 <a:schemeClr val="tx1">
                   <a:lumMod val="75000"/>
@@ -8037,10 +7654,40 @@
           </a:p>
         </p:txBody>
       </p:sp>
+      <p:pic>
+        <p:nvPicPr>
+          <p:cNvPr id="2" name="그림 1">
+            <a:extLst>
+              <a:ext uri="{FF2B5EF4-FFF2-40B4-BE49-F238E27FC236}">
+                <a16:creationId xmlns:a16="http://schemas.microsoft.com/office/drawing/2014/main" id="{9843E7C7-CCA6-47F7-9CF6-43921D60BC41}"/>
+              </a:ext>
+            </a:extLst>
+          </p:cNvPr>
+          <p:cNvPicPr>
+            <a:picLocks noChangeAspect="1"/>
+          </p:cNvPicPr>
+          <p:nvPr/>
+        </p:nvPicPr>
+        <p:blipFill>
+          <a:blip r:embed="rId2"/>
+          <a:stretch>
+            <a:fillRect/>
+          </a:stretch>
+        </p:blipFill>
+        <p:spPr>
+          <a:xfrm>
+            <a:off x="1431925" y="1592274"/>
+            <a:ext cx="9296400" cy="5229225"/>
+          </a:xfrm>
+          <a:prstGeom prst="rect">
+            <a:avLst/>
+          </a:prstGeom>
+        </p:spPr>
+      </p:pic>
     </p:spTree>
     <p:extLst>
       <p:ext uri="{BB962C8B-B14F-4D97-AF65-F5344CB8AC3E}">
-        <p14:creationId xmlns:p14="http://schemas.microsoft.com/office/powerpoint/2010/main" val="1865954392"/>
+        <p14:creationId xmlns:p14="http://schemas.microsoft.com/office/powerpoint/2010/main" val="1677175301"/>
       </p:ext>
     </p:extLst>
   </p:cSld>
@@ -8165,6 +7812,819 @@
 </file>
 
 <file path=ppt/slides/slide30.xml><?xml version="1.0" encoding="utf-8"?>
+<p:sld xmlns:a="http://schemas.openxmlformats.org/drawingml/2006/main" xmlns:r="http://schemas.openxmlformats.org/officeDocument/2006/relationships" xmlns:p="http://schemas.openxmlformats.org/presentationml/2006/main">
+  <p:cSld>
+    <p:spTree>
+      <p:nvGrpSpPr>
+        <p:cNvPr id="1" name=""/>
+        <p:cNvGrpSpPr/>
+        <p:nvPr/>
+      </p:nvGrpSpPr>
+      <p:grpSpPr>
+        <a:xfrm>
+          <a:off x="0" y="0"/>
+          <a:ext cx="0" cy="0"/>
+          <a:chOff x="0" y="0"/>
+          <a:chExt cx="0" cy="0"/>
+        </a:xfrm>
+      </p:grpSpPr>
+      <p:sp>
+        <p:nvSpPr>
+          <p:cNvPr id="5" name="제목 4"/>
+          <p:cNvSpPr>
+            <a:spLocks noGrp="1"/>
+          </p:cNvSpPr>
+          <p:nvPr>
+            <p:ph type="title"/>
+          </p:nvPr>
+        </p:nvSpPr>
+        <p:spPr>
+          <a:xfrm>
+            <a:off x="608016" y="551987"/>
+            <a:ext cx="10944225" cy="1140090"/>
+          </a:xfrm>
+        </p:spPr>
+        <p:txBody>
+          <a:bodyPr>
+            <a:normAutofit/>
+          </a:bodyPr>
+          <a:lstStyle/>
+          <a:p>
+            <a:pPr algn="l"/>
+            <a:r>
+              <a:rPr lang="en-US" altLang="ko-KR" sz="4400" dirty="0">
+                <a:solidFill>
+                  <a:schemeClr val="tx1">
+                    <a:lumMod val="75000"/>
+                    <a:lumOff val="25000"/>
+                  </a:schemeClr>
+                </a:solidFill>
+                <a:latin typeface="Noto Sans CJK KR Black" pitchFamily="34" charset="-127"/>
+                <a:ea typeface="Noto Sans CJK KR Black" pitchFamily="34" charset="-127"/>
+              </a:rPr>
+              <a:t>1. </a:t>
+            </a:r>
+            <a:r>
+              <a:rPr lang="ko-KR" altLang="en-US" sz="4400" dirty="0">
+                <a:solidFill>
+                  <a:schemeClr val="tx1">
+                    <a:lumMod val="75000"/>
+                    <a:lumOff val="25000"/>
+                  </a:schemeClr>
+                </a:solidFill>
+                <a:latin typeface="Noto Sans CJK KR Black" pitchFamily="34" charset="-127"/>
+                <a:ea typeface="Noto Sans CJK KR Black" pitchFamily="34" charset="-127"/>
+              </a:rPr>
+              <a:t>기계학습 알고리즘</a:t>
+            </a:r>
+            <a:endParaRPr lang="ko-KR" altLang="en-US" sz="4400" dirty="0">
+              <a:solidFill>
+                <a:schemeClr val="tx1">
+                  <a:lumMod val="75000"/>
+                  <a:lumOff val="25000"/>
+                </a:schemeClr>
+              </a:solidFill>
+            </a:endParaRPr>
+          </a:p>
+        </p:txBody>
+      </p:sp>
+      <p:sp>
+        <p:nvSpPr>
+          <p:cNvPr id="3" name="슬라이드 번호 개체 틀 2"/>
+          <p:cNvSpPr>
+            <a:spLocks noGrp="1"/>
+          </p:cNvSpPr>
+          <p:nvPr>
+            <p:ph type="sldNum" sz="quarter" idx="12"/>
+          </p:nvPr>
+        </p:nvSpPr>
+        <p:spPr/>
+        <p:txBody>
+          <a:bodyPr/>
+          <a:lstStyle/>
+          <a:p>
+            <a:fld id="{6DDAE2C3-1A0B-474A-8CE8-AE55B8D9D4B1}" type="slidenum">
+              <a:rPr lang="ko-KR" altLang="en-US" smtClean="0"/>
+              <a:pPr/>
+              <a:t>30</a:t>
+            </a:fld>
+            <a:endParaRPr lang="ko-KR" altLang="en-US" dirty="0"/>
+          </a:p>
+        </p:txBody>
+      </p:sp>
+      <p:pic>
+        <p:nvPicPr>
+          <p:cNvPr id="2" name="그림 1">
+            <a:extLst>
+              <a:ext uri="{FF2B5EF4-FFF2-40B4-BE49-F238E27FC236}">
+                <a16:creationId xmlns:a16="http://schemas.microsoft.com/office/drawing/2014/main" id="{8C0B53B6-91CD-4674-AD8B-229D8AB36492}"/>
+              </a:ext>
+            </a:extLst>
+          </p:cNvPr>
+          <p:cNvPicPr>
+            <a:picLocks noChangeAspect="1"/>
+          </p:cNvPicPr>
+          <p:nvPr/>
+        </p:nvPicPr>
+        <p:blipFill>
+          <a:blip r:embed="rId2"/>
+          <a:stretch>
+            <a:fillRect/>
+          </a:stretch>
+        </p:blipFill>
+        <p:spPr>
+          <a:xfrm>
+            <a:off x="319485" y="1551075"/>
+            <a:ext cx="7505700" cy="4962525"/>
+          </a:xfrm>
+          <a:prstGeom prst="rect">
+            <a:avLst/>
+          </a:prstGeom>
+        </p:spPr>
+      </p:pic>
+      <p:pic>
+        <p:nvPicPr>
+          <p:cNvPr id="4" name="그림 3">
+            <a:extLst>
+              <a:ext uri="{FF2B5EF4-FFF2-40B4-BE49-F238E27FC236}">
+                <a16:creationId xmlns:a16="http://schemas.microsoft.com/office/drawing/2014/main" id="{6FC8C0FF-56DC-42A2-8B16-0A08674CEB15}"/>
+              </a:ext>
+            </a:extLst>
+          </p:cNvPr>
+          <p:cNvPicPr>
+            <a:picLocks noChangeAspect="1"/>
+          </p:cNvPicPr>
+          <p:nvPr/>
+        </p:nvPicPr>
+        <p:blipFill>
+          <a:blip r:embed="rId3"/>
+          <a:stretch>
+            <a:fillRect/>
+          </a:stretch>
+        </p:blipFill>
+        <p:spPr>
+          <a:xfrm>
+            <a:off x="7742630" y="2717359"/>
+            <a:ext cx="4391025" cy="1809750"/>
+          </a:xfrm>
+          <a:prstGeom prst="rect">
+            <a:avLst/>
+          </a:prstGeom>
+        </p:spPr>
+      </p:pic>
+    </p:spTree>
+    <p:extLst>
+      <p:ext uri="{BB962C8B-B14F-4D97-AF65-F5344CB8AC3E}">
+        <p14:creationId xmlns:p14="http://schemas.microsoft.com/office/powerpoint/2010/main" val="3120240796"/>
+      </p:ext>
+    </p:extLst>
+  </p:cSld>
+  <p:clrMapOvr>
+    <a:masterClrMapping/>
+  </p:clrMapOvr>
+</p:sld>
+</file>
+
+<file path=ppt/slides/slide31.xml><?xml version="1.0" encoding="utf-8"?>
+<p:sld xmlns:a="http://schemas.openxmlformats.org/drawingml/2006/main" xmlns:r="http://schemas.openxmlformats.org/officeDocument/2006/relationships" xmlns:p="http://schemas.openxmlformats.org/presentationml/2006/main">
+  <p:cSld>
+    <p:spTree>
+      <p:nvGrpSpPr>
+        <p:cNvPr id="1" name=""/>
+        <p:cNvGrpSpPr/>
+        <p:nvPr/>
+      </p:nvGrpSpPr>
+      <p:grpSpPr>
+        <a:xfrm>
+          <a:off x="0" y="0"/>
+          <a:ext cx="0" cy="0"/>
+          <a:chOff x="0" y="0"/>
+          <a:chExt cx="0" cy="0"/>
+        </a:xfrm>
+      </p:grpSpPr>
+      <p:sp>
+        <p:nvSpPr>
+          <p:cNvPr id="5" name="제목 4"/>
+          <p:cNvSpPr>
+            <a:spLocks noGrp="1"/>
+          </p:cNvSpPr>
+          <p:nvPr>
+            <p:ph type="title"/>
+          </p:nvPr>
+        </p:nvSpPr>
+        <p:spPr>
+          <a:xfrm>
+            <a:off x="608016" y="551987"/>
+            <a:ext cx="10944225" cy="1140090"/>
+          </a:xfrm>
+        </p:spPr>
+        <p:txBody>
+          <a:bodyPr>
+            <a:normAutofit/>
+          </a:bodyPr>
+          <a:lstStyle/>
+          <a:p>
+            <a:pPr algn="l"/>
+            <a:r>
+              <a:rPr lang="en-US" altLang="ko-KR" sz="4400" dirty="0">
+                <a:solidFill>
+                  <a:schemeClr val="tx1">
+                    <a:lumMod val="75000"/>
+                    <a:lumOff val="25000"/>
+                  </a:schemeClr>
+                </a:solidFill>
+                <a:latin typeface="Noto Sans CJK KR Black" pitchFamily="34" charset="-127"/>
+                <a:ea typeface="Noto Sans CJK KR Black" pitchFamily="34" charset="-127"/>
+              </a:rPr>
+              <a:t>1. </a:t>
+            </a:r>
+            <a:r>
+              <a:rPr lang="ko-KR" altLang="en-US" sz="4400" dirty="0">
+                <a:solidFill>
+                  <a:schemeClr val="tx1">
+                    <a:lumMod val="75000"/>
+                    <a:lumOff val="25000"/>
+                  </a:schemeClr>
+                </a:solidFill>
+                <a:latin typeface="Noto Sans CJK KR Black" pitchFamily="34" charset="-127"/>
+                <a:ea typeface="Noto Sans CJK KR Black" pitchFamily="34" charset="-127"/>
+              </a:rPr>
+              <a:t>기계학습 알고리즘</a:t>
+            </a:r>
+            <a:endParaRPr lang="ko-KR" altLang="en-US" sz="4400" dirty="0">
+              <a:solidFill>
+                <a:schemeClr val="tx1">
+                  <a:lumMod val="75000"/>
+                  <a:lumOff val="25000"/>
+                </a:schemeClr>
+              </a:solidFill>
+            </a:endParaRPr>
+          </a:p>
+        </p:txBody>
+      </p:sp>
+      <p:sp>
+        <p:nvSpPr>
+          <p:cNvPr id="3" name="슬라이드 번호 개체 틀 2"/>
+          <p:cNvSpPr>
+            <a:spLocks noGrp="1"/>
+          </p:cNvSpPr>
+          <p:nvPr>
+            <p:ph type="sldNum" sz="quarter" idx="12"/>
+          </p:nvPr>
+        </p:nvSpPr>
+        <p:spPr/>
+        <p:txBody>
+          <a:bodyPr/>
+          <a:lstStyle/>
+          <a:p>
+            <a:fld id="{6DDAE2C3-1A0B-474A-8CE8-AE55B8D9D4B1}" type="slidenum">
+              <a:rPr lang="ko-KR" altLang="en-US" smtClean="0"/>
+              <a:pPr/>
+              <a:t>31</a:t>
+            </a:fld>
+            <a:endParaRPr lang="ko-KR" altLang="en-US" dirty="0"/>
+          </a:p>
+        </p:txBody>
+      </p:sp>
+      <p:pic>
+        <p:nvPicPr>
+          <p:cNvPr id="6" name="그림 5">
+            <a:extLst>
+              <a:ext uri="{FF2B5EF4-FFF2-40B4-BE49-F238E27FC236}">
+                <a16:creationId xmlns:a16="http://schemas.microsoft.com/office/drawing/2014/main" id="{6BA1C568-8E57-4042-937F-6368A591AA3E}"/>
+              </a:ext>
+            </a:extLst>
+          </p:cNvPr>
+          <p:cNvPicPr>
+            <a:picLocks noChangeAspect="1"/>
+          </p:cNvPicPr>
+          <p:nvPr/>
+        </p:nvPicPr>
+        <p:blipFill>
+          <a:blip r:embed="rId2"/>
+          <a:stretch>
+            <a:fillRect/>
+          </a:stretch>
+        </p:blipFill>
+        <p:spPr>
+          <a:xfrm>
+            <a:off x="2436812" y="1980109"/>
+            <a:ext cx="7286625" cy="3971925"/>
+          </a:xfrm>
+          <a:prstGeom prst="rect">
+            <a:avLst/>
+          </a:prstGeom>
+        </p:spPr>
+      </p:pic>
+    </p:spTree>
+    <p:extLst>
+      <p:ext uri="{BB962C8B-B14F-4D97-AF65-F5344CB8AC3E}">
+        <p14:creationId xmlns:p14="http://schemas.microsoft.com/office/powerpoint/2010/main" val="2840780450"/>
+      </p:ext>
+    </p:extLst>
+  </p:cSld>
+  <p:clrMapOvr>
+    <a:masterClrMapping/>
+  </p:clrMapOvr>
+</p:sld>
+</file>
+
+<file path=ppt/slides/slide32.xml><?xml version="1.0" encoding="utf-8"?>
+<p:sld xmlns:a="http://schemas.openxmlformats.org/drawingml/2006/main" xmlns:r="http://schemas.openxmlformats.org/officeDocument/2006/relationships" xmlns:p="http://schemas.openxmlformats.org/presentationml/2006/main">
+  <p:cSld>
+    <p:spTree>
+      <p:nvGrpSpPr>
+        <p:cNvPr id="1" name=""/>
+        <p:cNvGrpSpPr/>
+        <p:nvPr/>
+      </p:nvGrpSpPr>
+      <p:grpSpPr>
+        <a:xfrm>
+          <a:off x="0" y="0"/>
+          <a:ext cx="0" cy="0"/>
+          <a:chOff x="0" y="0"/>
+          <a:chExt cx="0" cy="0"/>
+        </a:xfrm>
+      </p:grpSpPr>
+      <p:sp>
+        <p:nvSpPr>
+          <p:cNvPr id="5" name="제목 4"/>
+          <p:cNvSpPr>
+            <a:spLocks noGrp="1"/>
+          </p:cNvSpPr>
+          <p:nvPr>
+            <p:ph type="title"/>
+          </p:nvPr>
+        </p:nvSpPr>
+        <p:spPr>
+          <a:xfrm>
+            <a:off x="608012" y="2700189"/>
+            <a:ext cx="10944225" cy="1140090"/>
+          </a:xfrm>
+        </p:spPr>
+        <p:txBody>
+          <a:bodyPr>
+            <a:noAutofit/>
+          </a:bodyPr>
+          <a:lstStyle/>
+          <a:p>
+            <a:pPr algn="l"/>
+            <a:r>
+              <a:rPr lang="en-US" altLang="ko-KR" sz="4000" b="1" dirty="0">
+                <a:solidFill>
+                  <a:schemeClr val="tx1">
+                    <a:lumMod val="75000"/>
+                    <a:lumOff val="25000"/>
+                  </a:schemeClr>
+                </a:solidFill>
+                <a:latin typeface="Noto Sans CJK KR Black" pitchFamily="34" charset="-127"/>
+                <a:ea typeface="Noto Sans CJK KR Black" pitchFamily="34" charset="-127"/>
+              </a:rPr>
+              <a:t>&lt;Quiz&gt;</a:t>
+            </a:r>
+            <a:br>
+              <a:rPr lang="en-US" altLang="ko-KR" sz="3200" dirty="0">
+                <a:solidFill>
+                  <a:schemeClr val="tx1">
+                    <a:lumMod val="75000"/>
+                    <a:lumOff val="25000"/>
+                  </a:schemeClr>
+                </a:solidFill>
+                <a:latin typeface="Noto Sans CJK KR Black" pitchFamily="34" charset="-127"/>
+                <a:ea typeface="Noto Sans CJK KR Black" pitchFamily="34" charset="-127"/>
+              </a:rPr>
+            </a:br>
+            <a:br>
+              <a:rPr lang="en-US" altLang="ko-KR" sz="3200" dirty="0">
+                <a:solidFill>
+                  <a:schemeClr val="tx1">
+                    <a:lumMod val="75000"/>
+                    <a:lumOff val="25000"/>
+                  </a:schemeClr>
+                </a:solidFill>
+                <a:latin typeface="Noto Sans CJK KR Black" pitchFamily="34" charset="-127"/>
+                <a:ea typeface="Noto Sans CJK KR Black" pitchFamily="34" charset="-127"/>
+              </a:rPr>
+            </a:br>
+            <a:r>
+              <a:rPr lang="en-US" altLang="ko-KR" sz="2400" dirty="0">
+                <a:solidFill>
+                  <a:schemeClr val="tx1">
+                    <a:lumMod val="75000"/>
+                    <a:lumOff val="25000"/>
+                  </a:schemeClr>
+                </a:solidFill>
+                <a:latin typeface="Noto Sans CJK KR Black" pitchFamily="34" charset="-127"/>
+                <a:ea typeface="Noto Sans CJK KR Black" pitchFamily="34" charset="-127"/>
+              </a:rPr>
+              <a:t>1. </a:t>
+            </a:r>
+            <a:r>
+              <a:rPr lang="ko-KR" altLang="en-US" sz="2400" dirty="0" err="1">
+                <a:solidFill>
+                  <a:schemeClr val="tx1">
+                    <a:lumMod val="75000"/>
+                    <a:lumOff val="25000"/>
+                  </a:schemeClr>
+                </a:solidFill>
+                <a:latin typeface="Noto Sans CJK KR Black" pitchFamily="34" charset="-127"/>
+                <a:ea typeface="Noto Sans CJK KR Black" pitchFamily="34" charset="-127"/>
+              </a:rPr>
+              <a:t>다중공선성이</a:t>
+            </a:r>
+            <a:r>
+              <a:rPr lang="ko-KR" altLang="en-US" sz="2400" dirty="0">
+                <a:solidFill>
+                  <a:schemeClr val="tx1">
+                    <a:lumMod val="75000"/>
+                    <a:lumOff val="25000"/>
+                  </a:schemeClr>
+                </a:solidFill>
+                <a:latin typeface="Noto Sans CJK KR Black" pitchFamily="34" charset="-127"/>
+                <a:ea typeface="Noto Sans CJK KR Black" pitchFamily="34" charset="-127"/>
+              </a:rPr>
+              <a:t> 발생하는 이유를 설명하고</a:t>
+            </a:r>
+            <a:r>
+              <a:rPr lang="en-US" altLang="ko-KR" sz="2400" dirty="0">
+                <a:solidFill>
+                  <a:schemeClr val="tx1">
+                    <a:lumMod val="75000"/>
+                    <a:lumOff val="25000"/>
+                  </a:schemeClr>
+                </a:solidFill>
+                <a:latin typeface="Noto Sans CJK KR Black" pitchFamily="34" charset="-127"/>
+                <a:ea typeface="Noto Sans CJK KR Black" pitchFamily="34" charset="-127"/>
+              </a:rPr>
+              <a:t>, </a:t>
+            </a:r>
+            <a:r>
+              <a:rPr lang="ko-KR" altLang="en-US" sz="2400" dirty="0">
+                <a:solidFill>
+                  <a:schemeClr val="tx1">
+                    <a:lumMod val="75000"/>
+                    <a:lumOff val="25000"/>
+                  </a:schemeClr>
+                </a:solidFill>
+                <a:latin typeface="Noto Sans CJK KR Black" pitchFamily="34" charset="-127"/>
+                <a:ea typeface="Noto Sans CJK KR Black" pitchFamily="34" charset="-127"/>
+              </a:rPr>
+              <a:t>어떠한 단점이 생기는지 최소 </a:t>
+            </a:r>
+            <a:r>
+              <a:rPr lang="en-US" altLang="ko-KR" sz="2400" dirty="0">
+                <a:solidFill>
+                  <a:schemeClr val="tx1">
+                    <a:lumMod val="75000"/>
+                    <a:lumOff val="25000"/>
+                  </a:schemeClr>
+                </a:solidFill>
+                <a:latin typeface="Noto Sans CJK KR Black" pitchFamily="34" charset="-127"/>
+                <a:ea typeface="Noto Sans CJK KR Black" pitchFamily="34" charset="-127"/>
+              </a:rPr>
+              <a:t>2</a:t>
+            </a:r>
+            <a:r>
+              <a:rPr lang="ko-KR" altLang="en-US" sz="2400" dirty="0">
+                <a:solidFill>
+                  <a:schemeClr val="tx1">
+                    <a:lumMod val="75000"/>
+                    <a:lumOff val="25000"/>
+                  </a:schemeClr>
+                </a:solidFill>
+                <a:latin typeface="Noto Sans CJK KR Black" pitchFamily="34" charset="-127"/>
+                <a:ea typeface="Noto Sans CJK KR Black" pitchFamily="34" charset="-127"/>
+              </a:rPr>
+              <a:t>가지를 설명하라</a:t>
+            </a:r>
+            <a:r>
+              <a:rPr lang="en-US" altLang="ko-KR" sz="2400" dirty="0">
+                <a:solidFill>
+                  <a:schemeClr val="tx1">
+                    <a:lumMod val="75000"/>
+                    <a:lumOff val="25000"/>
+                  </a:schemeClr>
+                </a:solidFill>
+                <a:latin typeface="Noto Sans CJK KR Black" pitchFamily="34" charset="-127"/>
+                <a:ea typeface="Noto Sans CJK KR Black" pitchFamily="34" charset="-127"/>
+              </a:rPr>
+              <a:t>.</a:t>
+            </a:r>
+            <a:br>
+              <a:rPr lang="en-US" altLang="ko-KR" sz="2400" dirty="0">
+                <a:solidFill>
+                  <a:schemeClr val="tx1">
+                    <a:lumMod val="75000"/>
+                    <a:lumOff val="25000"/>
+                  </a:schemeClr>
+                </a:solidFill>
+                <a:latin typeface="Noto Sans CJK KR Black" pitchFamily="34" charset="-127"/>
+                <a:ea typeface="Noto Sans CJK KR Black" pitchFamily="34" charset="-127"/>
+              </a:rPr>
+            </a:br>
+            <a:br>
+              <a:rPr lang="en-US" altLang="ko-KR" sz="2400" dirty="0">
+                <a:solidFill>
+                  <a:schemeClr val="tx1">
+                    <a:lumMod val="75000"/>
+                    <a:lumOff val="25000"/>
+                  </a:schemeClr>
+                </a:solidFill>
+                <a:latin typeface="Noto Sans CJK KR Black" pitchFamily="34" charset="-127"/>
+                <a:ea typeface="Noto Sans CJK KR Black" pitchFamily="34" charset="-127"/>
+              </a:rPr>
+            </a:br>
+            <a:br>
+              <a:rPr lang="en-US" altLang="ko-KR" sz="2400" dirty="0">
+                <a:solidFill>
+                  <a:schemeClr val="tx1">
+                    <a:lumMod val="75000"/>
+                    <a:lumOff val="25000"/>
+                  </a:schemeClr>
+                </a:solidFill>
+                <a:latin typeface="Noto Sans CJK KR Black" pitchFamily="34" charset="-127"/>
+                <a:ea typeface="Noto Sans CJK KR Black" pitchFamily="34" charset="-127"/>
+              </a:rPr>
+            </a:br>
+            <a:r>
+              <a:rPr lang="en-US" altLang="ko-KR" sz="2400" dirty="0">
+                <a:solidFill>
+                  <a:schemeClr val="tx1">
+                    <a:lumMod val="75000"/>
+                    <a:lumOff val="25000"/>
+                  </a:schemeClr>
+                </a:solidFill>
+                <a:latin typeface="Noto Sans CJK KR Black" pitchFamily="34" charset="-127"/>
+                <a:ea typeface="Noto Sans CJK KR Black" pitchFamily="34" charset="-127"/>
+              </a:rPr>
+              <a:t>2. Ridge </a:t>
+            </a:r>
+            <a:r>
+              <a:rPr lang="ko-KR" altLang="en-US" sz="2400" dirty="0">
+                <a:solidFill>
+                  <a:schemeClr val="tx1">
+                    <a:lumMod val="75000"/>
+                    <a:lumOff val="25000"/>
+                  </a:schemeClr>
+                </a:solidFill>
+                <a:latin typeface="Noto Sans CJK KR Black" pitchFamily="34" charset="-127"/>
+                <a:ea typeface="Noto Sans CJK KR Black" pitchFamily="34" charset="-127"/>
+              </a:rPr>
+              <a:t>회귀분석과 </a:t>
+            </a:r>
+            <a:r>
+              <a:rPr lang="en-US" altLang="ko-KR" sz="2400" dirty="0">
+                <a:solidFill>
+                  <a:schemeClr val="tx1">
+                    <a:lumMod val="75000"/>
+                    <a:lumOff val="25000"/>
+                  </a:schemeClr>
+                </a:solidFill>
+                <a:latin typeface="Noto Sans CJK KR Black" pitchFamily="34" charset="-127"/>
+                <a:ea typeface="Noto Sans CJK KR Black" pitchFamily="34" charset="-127"/>
+              </a:rPr>
+              <a:t>Lasso </a:t>
+            </a:r>
+            <a:r>
+              <a:rPr lang="ko-KR" altLang="en-US" sz="2400" dirty="0">
+                <a:solidFill>
+                  <a:schemeClr val="tx1">
+                    <a:lumMod val="75000"/>
+                    <a:lumOff val="25000"/>
+                  </a:schemeClr>
+                </a:solidFill>
+                <a:latin typeface="Noto Sans CJK KR Black" pitchFamily="34" charset="-127"/>
+                <a:ea typeface="Noto Sans CJK KR Black" pitchFamily="34" charset="-127"/>
+              </a:rPr>
+              <a:t>회귀분석의 차이를 설명하고</a:t>
+            </a:r>
+            <a:r>
+              <a:rPr lang="en-US" altLang="ko-KR" sz="2400" dirty="0">
+                <a:solidFill>
+                  <a:schemeClr val="tx1">
+                    <a:lumMod val="75000"/>
+                    <a:lumOff val="25000"/>
+                  </a:schemeClr>
+                </a:solidFill>
+                <a:latin typeface="Noto Sans CJK KR Black" pitchFamily="34" charset="-127"/>
+                <a:ea typeface="Noto Sans CJK KR Black" pitchFamily="34" charset="-127"/>
+              </a:rPr>
+              <a:t>, </a:t>
+            </a:r>
+            <a:r>
+              <a:rPr lang="ko-KR" altLang="en-US" sz="2400" dirty="0">
+                <a:solidFill>
+                  <a:schemeClr val="tx1">
+                    <a:lumMod val="75000"/>
+                    <a:lumOff val="25000"/>
+                  </a:schemeClr>
+                </a:solidFill>
+                <a:latin typeface="Noto Sans CJK KR Black" pitchFamily="34" charset="-127"/>
+                <a:ea typeface="Noto Sans CJK KR Black" pitchFamily="34" charset="-127"/>
+              </a:rPr>
+              <a:t>추정된 계수는 어떤 특성이 있는지 설명하라</a:t>
+            </a:r>
+            <a:r>
+              <a:rPr lang="en-US" altLang="ko-KR" sz="2400" dirty="0">
+                <a:solidFill>
+                  <a:schemeClr val="tx1">
+                    <a:lumMod val="75000"/>
+                    <a:lumOff val="25000"/>
+                  </a:schemeClr>
+                </a:solidFill>
+                <a:latin typeface="Noto Sans CJK KR Black" pitchFamily="34" charset="-127"/>
+                <a:ea typeface="Noto Sans CJK KR Black" pitchFamily="34" charset="-127"/>
+              </a:rPr>
+              <a:t>.</a:t>
+            </a:r>
+            <a:br>
+              <a:rPr lang="en-US" altLang="ko-KR" sz="2400" dirty="0">
+                <a:solidFill>
+                  <a:schemeClr val="tx1">
+                    <a:lumMod val="75000"/>
+                    <a:lumOff val="25000"/>
+                  </a:schemeClr>
+                </a:solidFill>
+                <a:latin typeface="Noto Sans CJK KR Black" pitchFamily="34" charset="-127"/>
+                <a:ea typeface="Noto Sans CJK KR Black" pitchFamily="34" charset="-127"/>
+              </a:rPr>
+            </a:br>
+            <a:br>
+              <a:rPr lang="en-US" altLang="ko-KR" sz="2400" dirty="0">
+                <a:solidFill>
+                  <a:schemeClr val="tx1">
+                    <a:lumMod val="75000"/>
+                    <a:lumOff val="25000"/>
+                  </a:schemeClr>
+                </a:solidFill>
+                <a:latin typeface="Noto Sans CJK KR Black" pitchFamily="34" charset="-127"/>
+                <a:ea typeface="Noto Sans CJK KR Black" pitchFamily="34" charset="-127"/>
+              </a:rPr>
+            </a:br>
+            <a:br>
+              <a:rPr lang="en-US" altLang="ko-KR" sz="2400" dirty="0">
+                <a:solidFill>
+                  <a:schemeClr val="tx1">
+                    <a:lumMod val="75000"/>
+                    <a:lumOff val="25000"/>
+                  </a:schemeClr>
+                </a:solidFill>
+                <a:latin typeface="Noto Sans CJK KR Black" pitchFamily="34" charset="-127"/>
+                <a:ea typeface="Noto Sans CJK KR Black" pitchFamily="34" charset="-127"/>
+              </a:rPr>
+            </a:br>
+            <a:r>
+              <a:rPr lang="en-US" altLang="ko-KR" sz="2400" dirty="0">
+                <a:solidFill>
+                  <a:schemeClr val="tx1">
+                    <a:lumMod val="75000"/>
+                    <a:lumOff val="25000"/>
+                  </a:schemeClr>
+                </a:solidFill>
+                <a:latin typeface="Noto Sans CJK KR Black" pitchFamily="34" charset="-127"/>
+                <a:ea typeface="Noto Sans CJK KR Black" pitchFamily="34" charset="-127"/>
+              </a:rPr>
+              <a:t>3. Bagging</a:t>
+            </a:r>
+            <a:r>
+              <a:rPr lang="ko-KR" altLang="en-US" sz="2400" dirty="0">
+                <a:solidFill>
+                  <a:schemeClr val="tx1">
+                    <a:lumMod val="75000"/>
+                    <a:lumOff val="25000"/>
+                  </a:schemeClr>
+                </a:solidFill>
+                <a:latin typeface="Noto Sans CJK KR Black" pitchFamily="34" charset="-127"/>
+                <a:ea typeface="Noto Sans CJK KR Black" pitchFamily="34" charset="-127"/>
+              </a:rPr>
+              <a:t>과 </a:t>
+            </a:r>
+            <a:r>
+              <a:rPr lang="en-US" altLang="ko-KR" sz="2400" dirty="0">
+                <a:solidFill>
+                  <a:schemeClr val="tx1">
+                    <a:lumMod val="75000"/>
+                    <a:lumOff val="25000"/>
+                  </a:schemeClr>
+                </a:solidFill>
+                <a:latin typeface="Noto Sans CJK KR Black" pitchFamily="34" charset="-127"/>
+                <a:ea typeface="Noto Sans CJK KR Black" pitchFamily="34" charset="-127"/>
+              </a:rPr>
+              <a:t>Boosting</a:t>
+            </a:r>
+            <a:r>
+              <a:rPr lang="ko-KR" altLang="en-US" sz="2400" dirty="0">
+                <a:solidFill>
+                  <a:schemeClr val="tx1">
+                    <a:lumMod val="75000"/>
+                    <a:lumOff val="25000"/>
+                  </a:schemeClr>
+                </a:solidFill>
+                <a:latin typeface="Noto Sans CJK KR Black" pitchFamily="34" charset="-127"/>
+                <a:ea typeface="Noto Sans CJK KR Black" pitchFamily="34" charset="-127"/>
+              </a:rPr>
+              <a:t>의 차이를 설명하고</a:t>
+            </a:r>
+            <a:r>
+              <a:rPr lang="en-US" altLang="ko-KR" sz="2400" dirty="0">
+                <a:solidFill>
+                  <a:schemeClr val="tx1">
+                    <a:lumMod val="75000"/>
+                    <a:lumOff val="25000"/>
+                  </a:schemeClr>
+                </a:solidFill>
+                <a:latin typeface="Noto Sans CJK KR Black" pitchFamily="34" charset="-127"/>
+                <a:ea typeface="Noto Sans CJK KR Black" pitchFamily="34" charset="-127"/>
+              </a:rPr>
+              <a:t>, </a:t>
+            </a:r>
+            <a:r>
+              <a:rPr lang="ko-KR" altLang="en-US" sz="2400" dirty="0">
+                <a:solidFill>
+                  <a:schemeClr val="tx1">
+                    <a:lumMod val="75000"/>
+                    <a:lumOff val="25000"/>
+                  </a:schemeClr>
+                </a:solidFill>
+                <a:latin typeface="Noto Sans CJK KR Black" pitchFamily="34" charset="-127"/>
+                <a:ea typeface="Noto Sans CJK KR Black" pitchFamily="34" charset="-127"/>
+              </a:rPr>
+              <a:t>각각의 대표적인 알고리즘을 설명하라</a:t>
+            </a:r>
+            <a:r>
+              <a:rPr lang="en-US" altLang="ko-KR" sz="2400" dirty="0">
+                <a:solidFill>
+                  <a:schemeClr val="tx1">
+                    <a:lumMod val="75000"/>
+                    <a:lumOff val="25000"/>
+                  </a:schemeClr>
+                </a:solidFill>
+                <a:latin typeface="Noto Sans CJK KR Black" pitchFamily="34" charset="-127"/>
+                <a:ea typeface="Noto Sans CJK KR Black" pitchFamily="34" charset="-127"/>
+              </a:rPr>
+              <a:t>.</a:t>
+            </a:r>
+            <a:br>
+              <a:rPr lang="en-US" altLang="ko-KR" sz="2400" dirty="0">
+                <a:solidFill>
+                  <a:schemeClr val="tx1">
+                    <a:lumMod val="75000"/>
+                    <a:lumOff val="25000"/>
+                  </a:schemeClr>
+                </a:solidFill>
+                <a:latin typeface="Noto Sans CJK KR Black" pitchFamily="34" charset="-127"/>
+                <a:ea typeface="Noto Sans CJK KR Black" pitchFamily="34" charset="-127"/>
+              </a:rPr>
+            </a:br>
+            <a:endParaRPr lang="ko-KR" altLang="en-US" sz="3200" dirty="0">
+              <a:solidFill>
+                <a:schemeClr val="tx1">
+                  <a:lumMod val="75000"/>
+                  <a:lumOff val="25000"/>
+                </a:schemeClr>
+              </a:solidFill>
+            </a:endParaRPr>
+          </a:p>
+        </p:txBody>
+      </p:sp>
+      <p:sp>
+        <p:nvSpPr>
+          <p:cNvPr id="3" name="슬라이드 번호 개체 틀 2"/>
+          <p:cNvSpPr>
+            <a:spLocks noGrp="1"/>
+          </p:cNvSpPr>
+          <p:nvPr>
+            <p:ph type="sldNum" sz="quarter" idx="12"/>
+          </p:nvPr>
+        </p:nvSpPr>
+        <p:spPr/>
+        <p:txBody>
+          <a:bodyPr/>
+          <a:lstStyle/>
+          <a:p>
+            <a:fld id="{6DDAE2C3-1A0B-474A-8CE8-AE55B8D9D4B1}" type="slidenum">
+              <a:rPr lang="ko-KR" altLang="en-US" smtClean="0"/>
+              <a:pPr/>
+              <a:t>32</a:t>
+            </a:fld>
+            <a:endParaRPr lang="ko-KR" altLang="en-US" dirty="0"/>
+          </a:p>
+        </p:txBody>
+      </p:sp>
+    </p:spTree>
+    <p:extLst>
+      <p:ext uri="{BB962C8B-B14F-4D97-AF65-F5344CB8AC3E}">
+        <p14:creationId xmlns:p14="http://schemas.microsoft.com/office/powerpoint/2010/main" val="1865954392"/>
+      </p:ext>
+    </p:extLst>
+  </p:cSld>
+  <p:clrMapOvr>
+    <a:masterClrMapping/>
+  </p:clrMapOvr>
+</p:sld>
+</file>
+
+<file path=ppt/slides/slide33.xml><?xml version="1.0" encoding="utf-8"?>
 <p:sld xmlns:a="http://schemas.openxmlformats.org/drawingml/2006/main" xmlns:r="http://schemas.openxmlformats.org/officeDocument/2006/relationships" xmlns:p="http://schemas.openxmlformats.org/presentationml/2006/main">
   <p:cSld>
     <p:spTree>
